--- a/Operating Systems Design/Shell CLI/presentation.pptx
+++ b/Operating Systems Design/Shell CLI/presentation.pptx
@@ -2,30 +2,23 @@
 <file path=ppt/presentation.xml><?xml version="1.0" encoding="utf-8"?>
 <p:presentation xmlns:a="http://schemas.openxmlformats.org/drawingml/2006/main" xmlns:r="http://schemas.openxmlformats.org/officeDocument/2006/relationships" xmlns:mc="http://schemas.openxmlformats.org/markup-compatibility/2006" xmlns:mv="urn:schemas-microsoft-com:mac:vml" xmlns:p="http://schemas.openxmlformats.org/presentationml/2006/main" xmlns:c="http://schemas.openxmlformats.org/drawingml/2006/chart" xmlns:dgm="http://schemas.openxmlformats.org/drawingml/2006/diagram" xmlns:o="urn:schemas-microsoft-com:office:office" xmlns:v="urn:schemas-microsoft-com:vml" xmlns:pvml="urn:schemas-microsoft-com:office:powerpoint" xmlns:com="http://schemas.openxmlformats.org/drawingml/2006/compatibility" xmlns:p14="http://schemas.microsoft.com/office/powerpoint/2010/main" xmlns:p15="http://schemas.microsoft.com/office/powerpoint/2012/main" xmlns:ahyp="http://schemas.microsoft.com/office/drawing/2018/hyperlinkcolor" autoCompressPictures="0" embedTrueTypeFonts="1" strictFirstAndLastChars="0" saveSubsetFonts="1">
   <p:sldMasterIdLst>
-    <p:sldMasterId id="2147483648" r:id="rId4"/>
+    <p:sldMasterId id="2147483648" r:id="rId3"/>
   </p:sldMasterIdLst>
   <p:notesMasterIdLst>
-    <p:notesMasterId r:id="rId5"/>
+    <p:notesMasterId r:id="rId4"/>
   </p:notesMasterIdLst>
   <p:sldIdLst>
-    <p:sldId id="256" r:id="rId6"/>
-    <p:sldId id="257" r:id="rId7"/>
-    <p:sldId id="258" r:id="rId8"/>
-    <p:sldId id="259" r:id="rId9"/>
-    <p:sldId id="260" r:id="rId10"/>
-    <p:sldId id="261" r:id="rId11"/>
-    <p:sldId id="262" r:id="rId12"/>
-    <p:sldId id="263" r:id="rId13"/>
+    <p:sldId id="256" r:id="rId5"/>
   </p:sldIdLst>
   <p:sldSz cy="6858000" cx="12192000"/>
   <p:notesSz cx="6858000" cy="9144000"/>
   <p:embeddedFontLst>
     <p:embeddedFont>
       <p:font typeface="Century Gothic"/>
-      <p:regular r:id="rId14"/>
-      <p:bold r:id="rId15"/>
-      <p:italic r:id="rId16"/>
-      <p:boldItalic r:id="rId17"/>
+      <p:regular r:id="rId6"/>
+      <p:bold r:id="rId7"/>
+      <p:italic r:id="rId8"/>
+      <p:boldItalic r:id="rId9"/>
     </p:embeddedFont>
   </p:embeddedFontLst>
   <p:defaultTextStyle>
@@ -259,7 +252,7 @@
   </p:defaultTextStyle>
   <p:extLst>
     <p:ext uri="GoogleSlidesCustomDataVersion2">
-      <go:slidesCustomData xmlns:go="http://customooxmlschemas.google.com/" r:id="rId18" roundtripDataSignature="AMtx7mitR6a55ebtCBnhc2sDSxzzQ4ozUw=="/>
+      <go:slidesCustomData xmlns:go="http://customooxmlschemas.google.com/" r:id="rId10" roundtripDataSignature="AMtx7mjwq+m6lE8/GWyeh+AuOlpn/VuH7g=="/>
     </p:ext>
   </p:extLst>
 </p:presentation>
@@ -710,7 +703,7 @@
       </p:grpSpPr>
       <p:sp>
         <p:nvSpPr>
-          <p:cNvPr id="144" name="Google Shape;144;p2:notes"/>
+          <p:cNvPr id="144" name="Google Shape;144;p9:notes"/>
           <p:cNvSpPr txBox="1"/>
           <p:nvPr>
             <p:ph idx="1" type="body"/>
@@ -749,700 +742,7 @@
       </p:sp>
       <p:sp>
         <p:nvSpPr>
-          <p:cNvPr id="145" name="Google Shape;145;p2:notes"/>
-          <p:cNvSpPr/>
-          <p:nvPr>
-            <p:ph idx="2" type="sldImg"/>
-          </p:nvPr>
-        </p:nvSpPr>
-        <p:spPr>
-          <a:xfrm>
-            <a:off x="1143225" y="685800"/>
-            <a:ext cx="4572225" cy="3429000"/>
-          </a:xfrm>
-          <a:custGeom>
-            <a:rect b="b" l="l" r="r" t="t"/>
-            <a:pathLst>
-              <a:path extrusionOk="0" h="120000" w="120000">
-                <a:moveTo>
-                  <a:pt x="0" y="0"/>
-                </a:moveTo>
-                <a:lnTo>
-                  <a:pt x="120000" y="0"/>
-                </a:lnTo>
-                <a:lnTo>
-                  <a:pt x="120000" y="120000"/>
-                </a:lnTo>
-                <a:lnTo>
-                  <a:pt x="0" y="120000"/>
-                </a:lnTo>
-                <a:close/>
-              </a:path>
-            </a:pathLst>
-          </a:custGeom>
-        </p:spPr>
-      </p:sp>
-    </p:spTree>
-  </p:cSld>
-  <p:clrMapOvr>
-    <a:masterClrMapping/>
-  </p:clrMapOvr>
-</p:notes>
-</file>
-
-<file path=ppt/notesSlides/notesSlide2.xml><?xml version="1.0" encoding="utf-8"?>
-<p:notes xmlns:a="http://schemas.openxmlformats.org/drawingml/2006/main" xmlns:r="http://schemas.openxmlformats.org/officeDocument/2006/relationships" xmlns:mc="http://schemas.openxmlformats.org/markup-compatibility/2006" xmlns:mv="urn:schemas-microsoft-com:mac:vml" xmlns:p="http://schemas.openxmlformats.org/presentationml/2006/main" xmlns:c="http://schemas.openxmlformats.org/drawingml/2006/chart" xmlns:dgm="http://schemas.openxmlformats.org/drawingml/2006/diagram" xmlns:o="urn:schemas-microsoft-com:office:office" xmlns:v="urn:schemas-microsoft-com:vml" xmlns:pvml="urn:schemas-microsoft-com:office:powerpoint" xmlns:com="http://schemas.openxmlformats.org/drawingml/2006/compatibility" xmlns:p14="http://schemas.microsoft.com/office/powerpoint/2010/main" xmlns:p15="http://schemas.microsoft.com/office/powerpoint/2012/main" xmlns:ahyp="http://schemas.microsoft.com/office/drawing/2018/hyperlinkcolor" showMasterPhAnim="0" showMasterSp="0">
-  <p:cSld>
-    <p:spTree>
-      <p:nvGrpSpPr>
-        <p:cNvPr id="149" name="Shape 149"/>
-        <p:cNvGrpSpPr/>
-        <p:nvPr/>
-      </p:nvGrpSpPr>
-      <p:grpSpPr>
-        <a:xfrm>
-          <a:off x="0" y="0"/>
-          <a:ext cx="0" cy="0"/>
-          <a:chOff x="0" y="0"/>
-          <a:chExt cx="0" cy="0"/>
-        </a:xfrm>
-      </p:grpSpPr>
-      <p:sp>
-        <p:nvSpPr>
-          <p:cNvPr id="150" name="Google Shape;150;p3:notes"/>
-          <p:cNvSpPr txBox="1"/>
-          <p:nvPr>
-            <p:ph idx="1" type="body"/>
-          </p:nvPr>
-        </p:nvSpPr>
-        <p:spPr>
-          <a:xfrm>
-            <a:off x="685800" y="4343400"/>
-            <a:ext cx="5486400" cy="4114800"/>
-          </a:xfrm>
-          <a:prstGeom prst="rect">
-            <a:avLst/>
-          </a:prstGeom>
-        </p:spPr>
-        <p:txBody>
-          <a:bodyPr anchorCtr="0" anchor="t" bIns="91425" lIns="91425" spcFirstLastPara="1" rIns="91425" wrap="square" tIns="91425">
-            <a:noAutofit/>
-          </a:bodyPr>
-          <a:lstStyle/>
-          <a:p>
-            <a:pPr indent="0" lvl="0" marL="0" rtl="0" algn="l">
-              <a:spcBef>
-                <a:spcPts val="0"/>
-              </a:spcBef>
-              <a:spcAft>
-                <a:spcPts val="0"/>
-              </a:spcAft>
-              <a:buNone/>
-            </a:pPr>
-            <a:r>
-              <a:t/>
-            </a:r>
-            <a:endParaRPr/>
-          </a:p>
-        </p:txBody>
-      </p:sp>
-      <p:sp>
-        <p:nvSpPr>
-          <p:cNvPr id="151" name="Google Shape;151;p3:notes"/>
-          <p:cNvSpPr/>
-          <p:nvPr>
-            <p:ph idx="2" type="sldImg"/>
-          </p:nvPr>
-        </p:nvSpPr>
-        <p:spPr>
-          <a:xfrm>
-            <a:off x="1143225" y="685800"/>
-            <a:ext cx="4572225" cy="3429000"/>
-          </a:xfrm>
-          <a:custGeom>
-            <a:rect b="b" l="l" r="r" t="t"/>
-            <a:pathLst>
-              <a:path extrusionOk="0" h="120000" w="120000">
-                <a:moveTo>
-                  <a:pt x="0" y="0"/>
-                </a:moveTo>
-                <a:lnTo>
-                  <a:pt x="120000" y="0"/>
-                </a:lnTo>
-                <a:lnTo>
-                  <a:pt x="120000" y="120000"/>
-                </a:lnTo>
-                <a:lnTo>
-                  <a:pt x="0" y="120000"/>
-                </a:lnTo>
-                <a:close/>
-              </a:path>
-            </a:pathLst>
-          </a:custGeom>
-        </p:spPr>
-      </p:sp>
-    </p:spTree>
-  </p:cSld>
-  <p:clrMapOvr>
-    <a:masterClrMapping/>
-  </p:clrMapOvr>
-</p:notes>
-</file>
-
-<file path=ppt/notesSlides/notesSlide3.xml><?xml version="1.0" encoding="utf-8"?>
-<p:notes xmlns:a="http://schemas.openxmlformats.org/drawingml/2006/main" xmlns:r="http://schemas.openxmlformats.org/officeDocument/2006/relationships" xmlns:mc="http://schemas.openxmlformats.org/markup-compatibility/2006" xmlns:mv="urn:schemas-microsoft-com:mac:vml" xmlns:p="http://schemas.openxmlformats.org/presentationml/2006/main" xmlns:c="http://schemas.openxmlformats.org/drawingml/2006/chart" xmlns:dgm="http://schemas.openxmlformats.org/drawingml/2006/diagram" xmlns:o="urn:schemas-microsoft-com:office:office" xmlns:v="urn:schemas-microsoft-com:vml" xmlns:pvml="urn:schemas-microsoft-com:office:powerpoint" xmlns:com="http://schemas.openxmlformats.org/drawingml/2006/compatibility" xmlns:p14="http://schemas.microsoft.com/office/powerpoint/2010/main" xmlns:p15="http://schemas.microsoft.com/office/powerpoint/2012/main" xmlns:ahyp="http://schemas.microsoft.com/office/drawing/2018/hyperlinkcolor" showMasterPhAnim="0" showMasterSp="0">
-  <p:cSld>
-    <p:spTree>
-      <p:nvGrpSpPr>
-        <p:cNvPr id="155" name="Shape 155"/>
-        <p:cNvGrpSpPr/>
-        <p:nvPr/>
-      </p:nvGrpSpPr>
-      <p:grpSpPr>
-        <a:xfrm>
-          <a:off x="0" y="0"/>
-          <a:ext cx="0" cy="0"/>
-          <a:chOff x="0" y="0"/>
-          <a:chExt cx="0" cy="0"/>
-        </a:xfrm>
-      </p:grpSpPr>
-      <p:sp>
-        <p:nvSpPr>
-          <p:cNvPr id="156" name="Google Shape;156;p4:notes"/>
-          <p:cNvSpPr txBox="1"/>
-          <p:nvPr>
-            <p:ph idx="1" type="body"/>
-          </p:nvPr>
-        </p:nvSpPr>
-        <p:spPr>
-          <a:xfrm>
-            <a:off x="685800" y="4343400"/>
-            <a:ext cx="5486400" cy="4114800"/>
-          </a:xfrm>
-          <a:prstGeom prst="rect">
-            <a:avLst/>
-          </a:prstGeom>
-        </p:spPr>
-        <p:txBody>
-          <a:bodyPr anchorCtr="0" anchor="t" bIns="91425" lIns="91425" spcFirstLastPara="1" rIns="91425" wrap="square" tIns="91425">
-            <a:noAutofit/>
-          </a:bodyPr>
-          <a:lstStyle/>
-          <a:p>
-            <a:pPr indent="0" lvl="0" marL="0" rtl="0" algn="l">
-              <a:spcBef>
-                <a:spcPts val="0"/>
-              </a:spcBef>
-              <a:spcAft>
-                <a:spcPts val="0"/>
-              </a:spcAft>
-              <a:buNone/>
-            </a:pPr>
-            <a:r>
-              <a:t/>
-            </a:r>
-            <a:endParaRPr/>
-          </a:p>
-        </p:txBody>
-      </p:sp>
-      <p:sp>
-        <p:nvSpPr>
-          <p:cNvPr id="157" name="Google Shape;157;p4:notes"/>
-          <p:cNvSpPr/>
-          <p:nvPr>
-            <p:ph idx="2" type="sldImg"/>
-          </p:nvPr>
-        </p:nvSpPr>
-        <p:spPr>
-          <a:xfrm>
-            <a:off x="1143225" y="685800"/>
-            <a:ext cx="4572225" cy="3429000"/>
-          </a:xfrm>
-          <a:custGeom>
-            <a:rect b="b" l="l" r="r" t="t"/>
-            <a:pathLst>
-              <a:path extrusionOk="0" h="120000" w="120000">
-                <a:moveTo>
-                  <a:pt x="0" y="0"/>
-                </a:moveTo>
-                <a:lnTo>
-                  <a:pt x="120000" y="0"/>
-                </a:lnTo>
-                <a:lnTo>
-                  <a:pt x="120000" y="120000"/>
-                </a:lnTo>
-                <a:lnTo>
-                  <a:pt x="0" y="120000"/>
-                </a:lnTo>
-                <a:close/>
-              </a:path>
-            </a:pathLst>
-          </a:custGeom>
-        </p:spPr>
-      </p:sp>
-    </p:spTree>
-  </p:cSld>
-  <p:clrMapOvr>
-    <a:masterClrMapping/>
-  </p:clrMapOvr>
-</p:notes>
-</file>
-
-<file path=ppt/notesSlides/notesSlide4.xml><?xml version="1.0" encoding="utf-8"?>
-<p:notes xmlns:a="http://schemas.openxmlformats.org/drawingml/2006/main" xmlns:r="http://schemas.openxmlformats.org/officeDocument/2006/relationships" xmlns:mc="http://schemas.openxmlformats.org/markup-compatibility/2006" xmlns:mv="urn:schemas-microsoft-com:mac:vml" xmlns:p="http://schemas.openxmlformats.org/presentationml/2006/main" xmlns:c="http://schemas.openxmlformats.org/drawingml/2006/chart" xmlns:dgm="http://schemas.openxmlformats.org/drawingml/2006/diagram" xmlns:o="urn:schemas-microsoft-com:office:office" xmlns:v="urn:schemas-microsoft-com:vml" xmlns:pvml="urn:schemas-microsoft-com:office:powerpoint" xmlns:com="http://schemas.openxmlformats.org/drawingml/2006/compatibility" xmlns:p14="http://schemas.microsoft.com/office/powerpoint/2010/main" xmlns:p15="http://schemas.microsoft.com/office/powerpoint/2012/main" xmlns:ahyp="http://schemas.microsoft.com/office/drawing/2018/hyperlinkcolor" showMasterPhAnim="0" showMasterSp="0">
-  <p:cSld>
-    <p:spTree>
-      <p:nvGrpSpPr>
-        <p:cNvPr id="161" name="Shape 161"/>
-        <p:cNvGrpSpPr/>
-        <p:nvPr/>
-      </p:nvGrpSpPr>
-      <p:grpSpPr>
-        <a:xfrm>
-          <a:off x="0" y="0"/>
-          <a:ext cx="0" cy="0"/>
-          <a:chOff x="0" y="0"/>
-          <a:chExt cx="0" cy="0"/>
-        </a:xfrm>
-      </p:grpSpPr>
-      <p:sp>
-        <p:nvSpPr>
-          <p:cNvPr id="162" name="Google Shape;162;p5:notes"/>
-          <p:cNvSpPr txBox="1"/>
-          <p:nvPr>
-            <p:ph idx="1" type="body"/>
-          </p:nvPr>
-        </p:nvSpPr>
-        <p:spPr>
-          <a:xfrm>
-            <a:off x="685800" y="4343400"/>
-            <a:ext cx="5486400" cy="4114800"/>
-          </a:xfrm>
-          <a:prstGeom prst="rect">
-            <a:avLst/>
-          </a:prstGeom>
-        </p:spPr>
-        <p:txBody>
-          <a:bodyPr anchorCtr="0" anchor="t" bIns="91425" lIns="91425" spcFirstLastPara="1" rIns="91425" wrap="square" tIns="91425">
-            <a:noAutofit/>
-          </a:bodyPr>
-          <a:lstStyle/>
-          <a:p>
-            <a:pPr indent="0" lvl="0" marL="0" rtl="0" algn="l">
-              <a:spcBef>
-                <a:spcPts val="0"/>
-              </a:spcBef>
-              <a:spcAft>
-                <a:spcPts val="0"/>
-              </a:spcAft>
-              <a:buNone/>
-            </a:pPr>
-            <a:r>
-              <a:t/>
-            </a:r>
-            <a:endParaRPr/>
-          </a:p>
-        </p:txBody>
-      </p:sp>
-      <p:sp>
-        <p:nvSpPr>
-          <p:cNvPr id="163" name="Google Shape;163;p5:notes"/>
-          <p:cNvSpPr/>
-          <p:nvPr>
-            <p:ph idx="2" type="sldImg"/>
-          </p:nvPr>
-        </p:nvSpPr>
-        <p:spPr>
-          <a:xfrm>
-            <a:off x="1143225" y="685800"/>
-            <a:ext cx="4572225" cy="3429000"/>
-          </a:xfrm>
-          <a:custGeom>
-            <a:rect b="b" l="l" r="r" t="t"/>
-            <a:pathLst>
-              <a:path extrusionOk="0" h="120000" w="120000">
-                <a:moveTo>
-                  <a:pt x="0" y="0"/>
-                </a:moveTo>
-                <a:lnTo>
-                  <a:pt x="120000" y="0"/>
-                </a:lnTo>
-                <a:lnTo>
-                  <a:pt x="120000" y="120000"/>
-                </a:lnTo>
-                <a:lnTo>
-                  <a:pt x="0" y="120000"/>
-                </a:lnTo>
-                <a:close/>
-              </a:path>
-            </a:pathLst>
-          </a:custGeom>
-        </p:spPr>
-      </p:sp>
-    </p:spTree>
-  </p:cSld>
-  <p:clrMapOvr>
-    <a:masterClrMapping/>
-  </p:clrMapOvr>
-</p:notes>
-</file>
-
-<file path=ppt/notesSlides/notesSlide5.xml><?xml version="1.0" encoding="utf-8"?>
-<p:notes xmlns:a="http://schemas.openxmlformats.org/drawingml/2006/main" xmlns:r="http://schemas.openxmlformats.org/officeDocument/2006/relationships" xmlns:mc="http://schemas.openxmlformats.org/markup-compatibility/2006" xmlns:mv="urn:schemas-microsoft-com:mac:vml" xmlns:p="http://schemas.openxmlformats.org/presentationml/2006/main" xmlns:c="http://schemas.openxmlformats.org/drawingml/2006/chart" xmlns:dgm="http://schemas.openxmlformats.org/drawingml/2006/diagram" xmlns:o="urn:schemas-microsoft-com:office:office" xmlns:v="urn:schemas-microsoft-com:vml" xmlns:pvml="urn:schemas-microsoft-com:office:powerpoint" xmlns:com="http://schemas.openxmlformats.org/drawingml/2006/compatibility" xmlns:p14="http://schemas.microsoft.com/office/powerpoint/2010/main" xmlns:p15="http://schemas.microsoft.com/office/powerpoint/2012/main" xmlns:ahyp="http://schemas.microsoft.com/office/drawing/2018/hyperlinkcolor" showMasterPhAnim="0" showMasterSp="0">
-  <p:cSld>
-    <p:spTree>
-      <p:nvGrpSpPr>
-        <p:cNvPr id="166" name="Shape 166"/>
-        <p:cNvGrpSpPr/>
-        <p:nvPr/>
-      </p:nvGrpSpPr>
-      <p:grpSpPr>
-        <a:xfrm>
-          <a:off x="0" y="0"/>
-          <a:ext cx="0" cy="0"/>
-          <a:chOff x="0" y="0"/>
-          <a:chExt cx="0" cy="0"/>
-        </a:xfrm>
-      </p:grpSpPr>
-      <p:sp>
-        <p:nvSpPr>
-          <p:cNvPr id="167" name="Google Shape;167;p6:notes"/>
-          <p:cNvSpPr txBox="1"/>
-          <p:nvPr>
-            <p:ph idx="1" type="body"/>
-          </p:nvPr>
-        </p:nvSpPr>
-        <p:spPr>
-          <a:xfrm>
-            <a:off x="685800" y="4343400"/>
-            <a:ext cx="5486400" cy="4114800"/>
-          </a:xfrm>
-          <a:prstGeom prst="rect">
-            <a:avLst/>
-          </a:prstGeom>
-        </p:spPr>
-        <p:txBody>
-          <a:bodyPr anchorCtr="0" anchor="t" bIns="91425" lIns="91425" spcFirstLastPara="1" rIns="91425" wrap="square" tIns="91425">
-            <a:noAutofit/>
-          </a:bodyPr>
-          <a:lstStyle/>
-          <a:p>
-            <a:pPr indent="0" lvl="0" marL="0" rtl="0" algn="l">
-              <a:spcBef>
-                <a:spcPts val="0"/>
-              </a:spcBef>
-              <a:spcAft>
-                <a:spcPts val="0"/>
-              </a:spcAft>
-              <a:buNone/>
-            </a:pPr>
-            <a:r>
-              <a:t/>
-            </a:r>
-            <a:endParaRPr/>
-          </a:p>
-        </p:txBody>
-      </p:sp>
-      <p:sp>
-        <p:nvSpPr>
-          <p:cNvPr id="168" name="Google Shape;168;p6:notes"/>
-          <p:cNvSpPr/>
-          <p:nvPr>
-            <p:ph idx="2" type="sldImg"/>
-          </p:nvPr>
-        </p:nvSpPr>
-        <p:spPr>
-          <a:xfrm>
-            <a:off x="1143225" y="685800"/>
-            <a:ext cx="4572225" cy="3429000"/>
-          </a:xfrm>
-          <a:custGeom>
-            <a:rect b="b" l="l" r="r" t="t"/>
-            <a:pathLst>
-              <a:path extrusionOk="0" h="120000" w="120000">
-                <a:moveTo>
-                  <a:pt x="0" y="0"/>
-                </a:moveTo>
-                <a:lnTo>
-                  <a:pt x="120000" y="0"/>
-                </a:lnTo>
-                <a:lnTo>
-                  <a:pt x="120000" y="120000"/>
-                </a:lnTo>
-                <a:lnTo>
-                  <a:pt x="0" y="120000"/>
-                </a:lnTo>
-                <a:close/>
-              </a:path>
-            </a:pathLst>
-          </a:custGeom>
-        </p:spPr>
-      </p:sp>
-    </p:spTree>
-  </p:cSld>
-  <p:clrMapOvr>
-    <a:masterClrMapping/>
-  </p:clrMapOvr>
-</p:notes>
-</file>
-
-<file path=ppt/notesSlides/notesSlide6.xml><?xml version="1.0" encoding="utf-8"?>
-<p:notes xmlns:a="http://schemas.openxmlformats.org/drawingml/2006/main" xmlns:r="http://schemas.openxmlformats.org/officeDocument/2006/relationships" xmlns:mc="http://schemas.openxmlformats.org/markup-compatibility/2006" xmlns:mv="urn:schemas-microsoft-com:mac:vml" xmlns:p="http://schemas.openxmlformats.org/presentationml/2006/main" xmlns:c="http://schemas.openxmlformats.org/drawingml/2006/chart" xmlns:dgm="http://schemas.openxmlformats.org/drawingml/2006/diagram" xmlns:o="urn:schemas-microsoft-com:office:office" xmlns:v="urn:schemas-microsoft-com:vml" xmlns:pvml="urn:schemas-microsoft-com:office:powerpoint" xmlns:com="http://schemas.openxmlformats.org/drawingml/2006/compatibility" xmlns:p14="http://schemas.microsoft.com/office/powerpoint/2010/main" xmlns:p15="http://schemas.microsoft.com/office/powerpoint/2012/main" xmlns:ahyp="http://schemas.microsoft.com/office/drawing/2018/hyperlinkcolor" showMasterPhAnim="0" showMasterSp="0">
-  <p:cSld>
-    <p:spTree>
-      <p:nvGrpSpPr>
-        <p:cNvPr id="172" name="Shape 172"/>
-        <p:cNvGrpSpPr/>
-        <p:nvPr/>
-      </p:nvGrpSpPr>
-      <p:grpSpPr>
-        <a:xfrm>
-          <a:off x="0" y="0"/>
-          <a:ext cx="0" cy="0"/>
-          <a:chOff x="0" y="0"/>
-          <a:chExt cx="0" cy="0"/>
-        </a:xfrm>
-      </p:grpSpPr>
-      <p:sp>
-        <p:nvSpPr>
-          <p:cNvPr id="173" name="Google Shape;173;p7:notes"/>
-          <p:cNvSpPr txBox="1"/>
-          <p:nvPr>
-            <p:ph idx="1" type="body"/>
-          </p:nvPr>
-        </p:nvSpPr>
-        <p:spPr>
-          <a:xfrm>
-            <a:off x="685800" y="4343400"/>
-            <a:ext cx="5486400" cy="4114800"/>
-          </a:xfrm>
-          <a:prstGeom prst="rect">
-            <a:avLst/>
-          </a:prstGeom>
-        </p:spPr>
-        <p:txBody>
-          <a:bodyPr anchorCtr="0" anchor="t" bIns="91425" lIns="91425" spcFirstLastPara="1" rIns="91425" wrap="square" tIns="91425">
-            <a:noAutofit/>
-          </a:bodyPr>
-          <a:lstStyle/>
-          <a:p>
-            <a:pPr indent="0" lvl="0" marL="0" rtl="0" algn="l">
-              <a:spcBef>
-                <a:spcPts val="0"/>
-              </a:spcBef>
-              <a:spcAft>
-                <a:spcPts val="0"/>
-              </a:spcAft>
-              <a:buNone/>
-            </a:pPr>
-            <a:r>
-              <a:t/>
-            </a:r>
-            <a:endParaRPr/>
-          </a:p>
-        </p:txBody>
-      </p:sp>
-      <p:sp>
-        <p:nvSpPr>
-          <p:cNvPr id="174" name="Google Shape;174;p7:notes"/>
-          <p:cNvSpPr/>
-          <p:nvPr>
-            <p:ph idx="2" type="sldImg"/>
-          </p:nvPr>
-        </p:nvSpPr>
-        <p:spPr>
-          <a:xfrm>
-            <a:off x="1143225" y="685800"/>
-            <a:ext cx="4572225" cy="3429000"/>
-          </a:xfrm>
-          <a:custGeom>
-            <a:rect b="b" l="l" r="r" t="t"/>
-            <a:pathLst>
-              <a:path extrusionOk="0" h="120000" w="120000">
-                <a:moveTo>
-                  <a:pt x="0" y="0"/>
-                </a:moveTo>
-                <a:lnTo>
-                  <a:pt x="120000" y="0"/>
-                </a:lnTo>
-                <a:lnTo>
-                  <a:pt x="120000" y="120000"/>
-                </a:lnTo>
-                <a:lnTo>
-                  <a:pt x="0" y="120000"/>
-                </a:lnTo>
-                <a:close/>
-              </a:path>
-            </a:pathLst>
-          </a:custGeom>
-        </p:spPr>
-      </p:sp>
-    </p:spTree>
-  </p:cSld>
-  <p:clrMapOvr>
-    <a:masterClrMapping/>
-  </p:clrMapOvr>
-</p:notes>
-</file>
-
-<file path=ppt/notesSlides/notesSlide7.xml><?xml version="1.0" encoding="utf-8"?>
-<p:notes xmlns:a="http://schemas.openxmlformats.org/drawingml/2006/main" xmlns:r="http://schemas.openxmlformats.org/officeDocument/2006/relationships" xmlns:mc="http://schemas.openxmlformats.org/markup-compatibility/2006" xmlns:mv="urn:schemas-microsoft-com:mac:vml" xmlns:p="http://schemas.openxmlformats.org/presentationml/2006/main" xmlns:c="http://schemas.openxmlformats.org/drawingml/2006/chart" xmlns:dgm="http://schemas.openxmlformats.org/drawingml/2006/diagram" xmlns:o="urn:schemas-microsoft-com:office:office" xmlns:v="urn:schemas-microsoft-com:vml" xmlns:pvml="urn:schemas-microsoft-com:office:powerpoint" xmlns:com="http://schemas.openxmlformats.org/drawingml/2006/compatibility" xmlns:p14="http://schemas.microsoft.com/office/powerpoint/2010/main" xmlns:p15="http://schemas.microsoft.com/office/powerpoint/2012/main" xmlns:ahyp="http://schemas.microsoft.com/office/drawing/2018/hyperlinkcolor" showMasterPhAnim="0" showMasterSp="0">
-  <p:cSld>
-    <p:spTree>
-      <p:nvGrpSpPr>
-        <p:cNvPr id="178" name="Shape 178"/>
-        <p:cNvGrpSpPr/>
-        <p:nvPr/>
-      </p:nvGrpSpPr>
-      <p:grpSpPr>
-        <a:xfrm>
-          <a:off x="0" y="0"/>
-          <a:ext cx="0" cy="0"/>
-          <a:chOff x="0" y="0"/>
-          <a:chExt cx="0" cy="0"/>
-        </a:xfrm>
-      </p:grpSpPr>
-      <p:sp>
-        <p:nvSpPr>
-          <p:cNvPr id="179" name="Google Shape;179;p8:notes"/>
-          <p:cNvSpPr txBox="1"/>
-          <p:nvPr>
-            <p:ph idx="1" type="body"/>
-          </p:nvPr>
-        </p:nvSpPr>
-        <p:spPr>
-          <a:xfrm>
-            <a:off x="685800" y="4343400"/>
-            <a:ext cx="5486400" cy="4114800"/>
-          </a:xfrm>
-          <a:prstGeom prst="rect">
-            <a:avLst/>
-          </a:prstGeom>
-        </p:spPr>
-        <p:txBody>
-          <a:bodyPr anchorCtr="0" anchor="t" bIns="91425" lIns="91425" spcFirstLastPara="1" rIns="91425" wrap="square" tIns="91425">
-            <a:noAutofit/>
-          </a:bodyPr>
-          <a:lstStyle/>
-          <a:p>
-            <a:pPr indent="0" lvl="0" marL="0" rtl="0" algn="l">
-              <a:spcBef>
-                <a:spcPts val="0"/>
-              </a:spcBef>
-              <a:spcAft>
-                <a:spcPts val="0"/>
-              </a:spcAft>
-              <a:buNone/>
-            </a:pPr>
-            <a:r>
-              <a:t/>
-            </a:r>
-            <a:endParaRPr/>
-          </a:p>
-        </p:txBody>
-      </p:sp>
-      <p:sp>
-        <p:nvSpPr>
-          <p:cNvPr id="180" name="Google Shape;180;p8:notes"/>
-          <p:cNvSpPr/>
-          <p:nvPr>
-            <p:ph idx="2" type="sldImg"/>
-          </p:nvPr>
-        </p:nvSpPr>
-        <p:spPr>
-          <a:xfrm>
-            <a:off x="1143225" y="685800"/>
-            <a:ext cx="4572225" cy="3429000"/>
-          </a:xfrm>
-          <a:custGeom>
-            <a:rect b="b" l="l" r="r" t="t"/>
-            <a:pathLst>
-              <a:path extrusionOk="0" h="120000" w="120000">
-                <a:moveTo>
-                  <a:pt x="0" y="0"/>
-                </a:moveTo>
-                <a:lnTo>
-                  <a:pt x="120000" y="0"/>
-                </a:lnTo>
-                <a:lnTo>
-                  <a:pt x="120000" y="120000"/>
-                </a:lnTo>
-                <a:lnTo>
-                  <a:pt x="0" y="120000"/>
-                </a:lnTo>
-                <a:close/>
-              </a:path>
-            </a:pathLst>
-          </a:custGeom>
-        </p:spPr>
-      </p:sp>
-    </p:spTree>
-  </p:cSld>
-  <p:clrMapOvr>
-    <a:masterClrMapping/>
-  </p:clrMapOvr>
-</p:notes>
-</file>
-
-<file path=ppt/notesSlides/notesSlide8.xml><?xml version="1.0" encoding="utf-8"?>
-<p:notes xmlns:a="http://schemas.openxmlformats.org/drawingml/2006/main" xmlns:r="http://schemas.openxmlformats.org/officeDocument/2006/relationships" xmlns:mc="http://schemas.openxmlformats.org/markup-compatibility/2006" xmlns:mv="urn:schemas-microsoft-com:mac:vml" xmlns:p="http://schemas.openxmlformats.org/presentationml/2006/main" xmlns:c="http://schemas.openxmlformats.org/drawingml/2006/chart" xmlns:dgm="http://schemas.openxmlformats.org/drawingml/2006/diagram" xmlns:o="urn:schemas-microsoft-com:office:office" xmlns:v="urn:schemas-microsoft-com:vml" xmlns:pvml="urn:schemas-microsoft-com:office:powerpoint" xmlns:com="http://schemas.openxmlformats.org/drawingml/2006/compatibility" xmlns:p14="http://schemas.microsoft.com/office/powerpoint/2010/main" xmlns:p15="http://schemas.microsoft.com/office/powerpoint/2012/main" xmlns:ahyp="http://schemas.microsoft.com/office/drawing/2018/hyperlinkcolor" showMasterPhAnim="0" showMasterSp="0">
-  <p:cSld>
-    <p:spTree>
-      <p:nvGrpSpPr>
-        <p:cNvPr id="184" name="Shape 184"/>
-        <p:cNvGrpSpPr/>
-        <p:nvPr/>
-      </p:nvGrpSpPr>
-      <p:grpSpPr>
-        <a:xfrm>
-          <a:off x="0" y="0"/>
-          <a:ext cx="0" cy="0"/>
-          <a:chOff x="0" y="0"/>
-          <a:chExt cx="0" cy="0"/>
-        </a:xfrm>
-      </p:grpSpPr>
-      <p:sp>
-        <p:nvSpPr>
-          <p:cNvPr id="185" name="Google Shape;185;p9:notes"/>
-          <p:cNvSpPr txBox="1"/>
-          <p:nvPr>
-            <p:ph idx="1" type="body"/>
-          </p:nvPr>
-        </p:nvSpPr>
-        <p:spPr>
-          <a:xfrm>
-            <a:off x="685800" y="4343400"/>
-            <a:ext cx="5486400" cy="4114800"/>
-          </a:xfrm>
-          <a:prstGeom prst="rect">
-            <a:avLst/>
-          </a:prstGeom>
-        </p:spPr>
-        <p:txBody>
-          <a:bodyPr anchorCtr="0" anchor="t" bIns="91425" lIns="91425" spcFirstLastPara="1" rIns="91425" wrap="square" tIns="91425">
-            <a:noAutofit/>
-          </a:bodyPr>
-          <a:lstStyle/>
-          <a:p>
-            <a:pPr indent="0" lvl="0" marL="0" rtl="0" algn="l">
-              <a:spcBef>
-                <a:spcPts val="0"/>
-              </a:spcBef>
-              <a:spcAft>
-                <a:spcPts val="0"/>
-              </a:spcAft>
-              <a:buNone/>
-            </a:pPr>
-            <a:r>
-              <a:t/>
-            </a:r>
-            <a:endParaRPr/>
-          </a:p>
-        </p:txBody>
-      </p:sp>
-      <p:sp>
-        <p:nvSpPr>
-          <p:cNvPr id="186" name="Google Shape;186;p9:notes"/>
+          <p:cNvPr id="145" name="Google Shape;145;p9:notes"/>
           <p:cNvSpPr/>
           <p:nvPr>
             <p:ph idx="2" type="sldImg"/>
@@ -16748,7 +16048,7 @@
       </p:grpSpPr>
       <p:sp>
         <p:nvSpPr>
-          <p:cNvPr id="147" name="Google Shape;147;p2"/>
+          <p:cNvPr id="147" name="Google Shape;147;p9"/>
           <p:cNvSpPr txBox="1"/>
           <p:nvPr>
             <p:ph type="title"/>
@@ -16789,2201 +16089,6 @@
             </a:pPr>
             <a:r>
               <a:rPr lang="en-US"/>
-              <a:t>CONTENT</a:t>
-            </a:r>
-            <a:br>
-              <a:rPr lang="en-US"/>
-            </a:br>
-            <a:endParaRPr/>
-          </a:p>
-        </p:txBody>
-      </p:sp>
-      <p:sp>
-        <p:nvSpPr>
-          <p:cNvPr id="148" name="Google Shape;148;p2"/>
-          <p:cNvSpPr txBox="1"/>
-          <p:nvPr>
-            <p:ph idx="1" type="body"/>
-          </p:nvPr>
-        </p:nvSpPr>
-        <p:spPr>
-          <a:xfrm>
-            <a:off x="1103312" y="2052918"/>
-            <a:ext cx="8946541" cy="4195481"/>
-          </a:xfrm>
-          <a:prstGeom prst="rect">
-            <a:avLst/>
-          </a:prstGeom>
-          <a:noFill/>
-          <a:ln>
-            <a:noFill/>
-          </a:ln>
-        </p:spPr>
-        <p:txBody>
-          <a:bodyPr anchorCtr="0" anchor="t" bIns="45700" lIns="91425" spcFirstLastPara="1" rIns="91425" wrap="square" tIns="45700">
-            <a:normAutofit/>
-          </a:bodyPr>
-          <a:lstStyle/>
-          <a:p>
-            <a:pPr indent="0" lvl="0" marL="0" rtl="0" algn="l">
-              <a:spcBef>
-                <a:spcPts val="0"/>
-              </a:spcBef>
-              <a:spcAft>
-                <a:spcPts val="0"/>
-              </a:spcAft>
-              <a:buSzPts val="1600"/>
-              <a:buNone/>
-            </a:pPr>
-            <a:r>
-              <a:rPr b="1" lang="en-US"/>
-              <a:t>1. Introduction</a:t>
-            </a:r>
-            <a:endParaRPr/>
-          </a:p>
-          <a:p>
-            <a:pPr indent="0" lvl="0" marL="0" rtl="0" algn="l">
-              <a:spcBef>
-                <a:spcPts val="1000"/>
-              </a:spcBef>
-              <a:spcAft>
-                <a:spcPts val="0"/>
-              </a:spcAft>
-              <a:buSzPts val="1600"/>
-              <a:buNone/>
-            </a:pPr>
-            <a:r>
-              <a:rPr b="1" lang="en-US"/>
-              <a:t>2. Command line</a:t>
-            </a:r>
-            <a:endParaRPr/>
-          </a:p>
-          <a:p>
-            <a:pPr indent="0" lvl="0" marL="0" rtl="0" algn="l">
-              <a:spcBef>
-                <a:spcPts val="1000"/>
-              </a:spcBef>
-              <a:spcAft>
-                <a:spcPts val="0"/>
-              </a:spcAft>
-              <a:buSzPts val="1600"/>
-              <a:buNone/>
-            </a:pPr>
-            <a:r>
-              <a:rPr b="1" lang="en-US"/>
-              <a:t>4. Shell</a:t>
-            </a:r>
-            <a:endParaRPr/>
-          </a:p>
-          <a:p>
-            <a:pPr indent="0" lvl="0" marL="0" rtl="0" algn="l">
-              <a:spcBef>
-                <a:spcPts val="1000"/>
-              </a:spcBef>
-              <a:spcAft>
-                <a:spcPts val="0"/>
-              </a:spcAft>
-              <a:buSzPts val="1600"/>
-              <a:buNone/>
-            </a:pPr>
-            <a:r>
-              <a:rPr b="1" lang="en-US"/>
-              <a:t>5. cmd.exe</a:t>
-            </a:r>
-            <a:endParaRPr b="1"/>
-          </a:p>
-          <a:p>
-            <a:pPr indent="0" lvl="0" marL="0" rtl="0" algn="l">
-              <a:spcBef>
-                <a:spcPts val="1000"/>
-              </a:spcBef>
-              <a:spcAft>
-                <a:spcPts val="0"/>
-              </a:spcAft>
-              <a:buSzPts val="1600"/>
-              <a:buNone/>
-            </a:pPr>
-            <a:r>
-              <a:rPr b="1" lang="en-US"/>
-              <a:t>6. Importance of windows shell</a:t>
-            </a:r>
-            <a:endParaRPr/>
-          </a:p>
-          <a:p>
-            <a:pPr indent="0" lvl="0" marL="0" rtl="0" algn="l">
-              <a:spcBef>
-                <a:spcPts val="1000"/>
-              </a:spcBef>
-              <a:spcAft>
-                <a:spcPts val="0"/>
-              </a:spcAft>
-              <a:buSzPts val="1600"/>
-              <a:buNone/>
-            </a:pPr>
-            <a:r>
-              <a:t/>
-            </a:r>
-            <a:endParaRPr b="1"/>
-          </a:p>
-          <a:p>
-            <a:pPr indent="0" lvl="0" marL="0" rtl="0" algn="l">
-              <a:spcBef>
-                <a:spcPts val="1000"/>
-              </a:spcBef>
-              <a:spcAft>
-                <a:spcPts val="0"/>
-              </a:spcAft>
-              <a:buSzPts val="1600"/>
-              <a:buNone/>
-            </a:pPr>
-            <a:r>
-              <a:t/>
-            </a:r>
-            <a:endParaRPr b="1"/>
-          </a:p>
-        </p:txBody>
-      </p:sp>
-    </p:spTree>
-  </p:cSld>
-  <p:clrMapOvr>
-    <a:masterClrMapping/>
-  </p:clrMapOvr>
-</p:sld>
-</file>
-
-<file path=ppt/slides/slide2.xml><?xml version="1.0" encoding="utf-8"?>
-<p:sld xmlns:a="http://schemas.openxmlformats.org/drawingml/2006/main" xmlns:r="http://schemas.openxmlformats.org/officeDocument/2006/relationships" xmlns:mc="http://schemas.openxmlformats.org/markup-compatibility/2006" xmlns:mv="urn:schemas-microsoft-com:mac:vml" xmlns:p="http://schemas.openxmlformats.org/presentationml/2006/main" xmlns:c="http://schemas.openxmlformats.org/drawingml/2006/chart" xmlns:dgm="http://schemas.openxmlformats.org/drawingml/2006/diagram" xmlns:o="urn:schemas-microsoft-com:office:office" xmlns:v="urn:schemas-microsoft-com:vml" xmlns:pvml="urn:schemas-microsoft-com:office:powerpoint" xmlns:com="http://schemas.openxmlformats.org/drawingml/2006/compatibility" xmlns:p14="http://schemas.microsoft.com/office/powerpoint/2010/main" xmlns:p15="http://schemas.microsoft.com/office/powerpoint/2012/main" xmlns:ahyp="http://schemas.microsoft.com/office/drawing/2018/hyperlinkcolor">
-  <p:cSld>
-    <p:spTree>
-      <p:nvGrpSpPr>
-        <p:cNvPr id="152" name="Shape 152"/>
-        <p:cNvGrpSpPr/>
-        <p:nvPr/>
-      </p:nvGrpSpPr>
-      <p:grpSpPr>
-        <a:xfrm>
-          <a:off x="0" y="0"/>
-          <a:ext cx="0" cy="0"/>
-          <a:chOff x="0" y="0"/>
-          <a:chExt cx="0" cy="0"/>
-        </a:xfrm>
-      </p:grpSpPr>
-      <p:sp>
-        <p:nvSpPr>
-          <p:cNvPr id="153" name="Google Shape;153;p3"/>
-          <p:cNvSpPr txBox="1"/>
-          <p:nvPr>
-            <p:ph type="ctrTitle"/>
-          </p:nvPr>
-        </p:nvSpPr>
-        <p:spPr>
-          <a:xfrm>
-            <a:off x="1154955" y="1447800"/>
-            <a:ext cx="8825658" cy="3329581"/>
-          </a:xfrm>
-          <a:prstGeom prst="rect">
-            <a:avLst/>
-          </a:prstGeom>
-          <a:noFill/>
-          <a:ln>
-            <a:noFill/>
-          </a:ln>
-        </p:spPr>
-        <p:txBody>
-          <a:bodyPr anchorCtr="0" anchor="b" bIns="45700" lIns="91425" spcFirstLastPara="1" rIns="91425" wrap="square" tIns="45700">
-            <a:noAutofit/>
-          </a:bodyPr>
-          <a:lstStyle/>
-          <a:p>
-            <a:pPr indent="0" lvl="0" marL="0" rtl="0" algn="l">
-              <a:spcBef>
-                <a:spcPts val="0"/>
-              </a:spcBef>
-              <a:spcAft>
-                <a:spcPts val="0"/>
-              </a:spcAft>
-              <a:buClr>
-                <a:schemeClr val="lt2"/>
-              </a:buClr>
-              <a:buSzPts val="7200"/>
-              <a:buFont typeface="Century Gothic"/>
-              <a:buNone/>
-            </a:pPr>
-            <a:r>
-              <a:rPr lang="en-US"/>
-              <a:t>Windows shell</a:t>
-            </a:r>
-            <a:endParaRPr/>
-          </a:p>
-        </p:txBody>
-      </p:sp>
-      <p:sp>
-        <p:nvSpPr>
-          <p:cNvPr id="154" name="Google Shape;154;p3"/>
-          <p:cNvSpPr txBox="1"/>
-          <p:nvPr>
-            <p:ph idx="1" type="subTitle"/>
-          </p:nvPr>
-        </p:nvSpPr>
-        <p:spPr>
-          <a:xfrm>
-            <a:off x="1154955" y="4777380"/>
-            <a:ext cx="8825658" cy="861420"/>
-          </a:xfrm>
-          <a:prstGeom prst="rect">
-            <a:avLst/>
-          </a:prstGeom>
-          <a:noFill/>
-          <a:ln>
-            <a:noFill/>
-          </a:ln>
-        </p:spPr>
-        <p:txBody>
-          <a:bodyPr anchorCtr="0" anchor="t" bIns="45700" lIns="91425" spcFirstLastPara="1" rIns="91425" wrap="square" tIns="45700">
-            <a:normAutofit fontScale="77500" lnSpcReduction="20000"/>
-          </a:bodyPr>
-          <a:lstStyle/>
-          <a:p>
-            <a:pPr indent="0" lvl="0" marL="0" rtl="0" algn="l">
-              <a:spcBef>
-                <a:spcPts val="0"/>
-              </a:spcBef>
-              <a:spcAft>
-                <a:spcPts val="0"/>
-              </a:spcAft>
-              <a:buSzPct val="80000"/>
-              <a:buNone/>
-            </a:pPr>
-            <a:r>
-              <a:rPr lang="en-US"/>
-              <a:t>THE </a:t>
-            </a:r>
-            <a:r>
-              <a:rPr b="1" lang="en-US"/>
-              <a:t>WINDOWS SHELL</a:t>
-            </a:r>
-            <a:r>
-              <a:rPr lang="en-US"/>
-              <a:t> IS THE COMMAND LINE INTERFACE FOR THE MICROSOFT WINDOWS OPERATING SYSTEM. ITS READILY IDENTIFIABLE ELEMENTS CONSISTS OF THE DESKTOP, THE TASKBAR, THE START MENU, THE TASK SWITCHER AND THE AUTOPLAY FEATURE. </a:t>
-            </a:r>
-            <a:endParaRPr/>
-          </a:p>
-          <a:p>
-            <a:pPr indent="0" lvl="0" marL="0" rtl="0" algn="l">
-              <a:spcBef>
-                <a:spcPts val="1000"/>
-              </a:spcBef>
-              <a:spcAft>
-                <a:spcPts val="0"/>
-              </a:spcAft>
-              <a:buSzPct val="80000"/>
-              <a:buNone/>
-            </a:pPr>
-            <a:r>
-              <a:t/>
-            </a:r>
-            <a:endParaRPr/>
-          </a:p>
-        </p:txBody>
-      </p:sp>
-    </p:spTree>
-  </p:cSld>
-  <p:clrMapOvr>
-    <a:masterClrMapping/>
-  </p:clrMapOvr>
-</p:sld>
-</file>
-
-<file path=ppt/slides/slide3.xml><?xml version="1.0" encoding="utf-8"?>
-<p:sld xmlns:a="http://schemas.openxmlformats.org/drawingml/2006/main" xmlns:r="http://schemas.openxmlformats.org/officeDocument/2006/relationships" xmlns:mc="http://schemas.openxmlformats.org/markup-compatibility/2006" xmlns:mv="urn:schemas-microsoft-com:mac:vml" xmlns:p="http://schemas.openxmlformats.org/presentationml/2006/main" xmlns:c="http://schemas.openxmlformats.org/drawingml/2006/chart" xmlns:dgm="http://schemas.openxmlformats.org/drawingml/2006/diagram" xmlns:o="urn:schemas-microsoft-com:office:office" xmlns:v="urn:schemas-microsoft-com:vml" xmlns:pvml="urn:schemas-microsoft-com:office:powerpoint" xmlns:com="http://schemas.openxmlformats.org/drawingml/2006/compatibility" xmlns:p14="http://schemas.microsoft.com/office/powerpoint/2010/main" xmlns:p15="http://schemas.microsoft.com/office/powerpoint/2012/main" xmlns:ahyp="http://schemas.microsoft.com/office/drawing/2018/hyperlinkcolor">
-  <p:cSld>
-    <p:spTree>
-      <p:nvGrpSpPr>
-        <p:cNvPr id="158" name="Shape 158"/>
-        <p:cNvGrpSpPr/>
-        <p:nvPr/>
-      </p:nvGrpSpPr>
-      <p:grpSpPr>
-        <a:xfrm>
-          <a:off x="0" y="0"/>
-          <a:ext cx="0" cy="0"/>
-          <a:chOff x="0" y="0"/>
-          <a:chExt cx="0" cy="0"/>
-        </a:xfrm>
-      </p:grpSpPr>
-      <p:sp>
-        <p:nvSpPr>
-          <p:cNvPr id="159" name="Google Shape;159;p4"/>
-          <p:cNvSpPr txBox="1"/>
-          <p:nvPr>
-            <p:ph idx="4294967295" type="title"/>
-          </p:nvPr>
-        </p:nvSpPr>
-        <p:spPr>
-          <a:xfrm>
-            <a:off x="0" y="452438"/>
-            <a:ext cx="9404350" cy="1400175"/>
-          </a:xfrm>
-          <a:prstGeom prst="rect">
-            <a:avLst/>
-          </a:prstGeom>
-          <a:noFill/>
-          <a:ln>
-            <a:noFill/>
-          </a:ln>
-        </p:spPr>
-        <p:txBody>
-          <a:bodyPr anchorCtr="0" anchor="t" bIns="45700" lIns="91425" spcFirstLastPara="1" rIns="91425" wrap="square" tIns="45700">
-            <a:noAutofit/>
-          </a:bodyPr>
-          <a:lstStyle/>
-          <a:p>
-            <a:pPr indent="0" lvl="0" marL="0" rtl="0" algn="l">
-              <a:spcBef>
-                <a:spcPts val="0"/>
-              </a:spcBef>
-              <a:spcAft>
-                <a:spcPts val="0"/>
-              </a:spcAft>
-              <a:buClr>
-                <a:schemeClr val="lt2"/>
-              </a:buClr>
-              <a:buSzPts val="4200"/>
-              <a:buFont typeface="Century Gothic"/>
-              <a:buNone/>
-            </a:pPr>
-            <a:r>
-              <a:rPr lang="en-US"/>
-              <a:t>           Command line of windows</a:t>
-            </a:r>
-            <a:br>
-              <a:rPr lang="en-US"/>
-            </a:br>
-            <a:endParaRPr/>
-          </a:p>
-        </p:txBody>
-      </p:sp>
-      <p:graphicFrame>
-        <p:nvGraphicFramePr>
-          <p:cNvPr id="160" name="Google Shape;160;p4"/>
-          <p:cNvGraphicFramePr/>
-          <p:nvPr/>
-        </p:nvGraphicFramePr>
-        <p:xfrm>
-          <a:off x="1121433" y="1236452"/>
-          <a:ext cx="3000000" cy="3000000"/>
-        </p:xfrm>
-        <a:graphic>
-          <a:graphicData uri="http://schemas.openxmlformats.org/drawingml/2006/table">
-            <a:tbl>
-              <a:tblPr bandRow="1" firstRow="1">
-                <a:noFill/>
-                <a:tableStyleId>{60743620-E2E4-45A8-873D-917C40BA8182}</a:tableStyleId>
-              </a:tblPr>
-              <a:tblGrid>
-                <a:gridCol w="4114800"/>
-                <a:gridCol w="4572000"/>
-              </a:tblGrid>
-              <a:tr h="382100">
-                <a:tc>
-                  <a:txBody>
-                    <a:bodyPr/>
-                    <a:lstStyle/>
-                    <a:p>
-                      <a:pPr indent="0" lvl="0" marL="0" marR="0" rtl="0" algn="ctr">
-                        <a:spcBef>
-                          <a:spcPts val="0"/>
-                        </a:spcBef>
-                        <a:spcAft>
-                          <a:spcPts val="0"/>
-                        </a:spcAft>
-                        <a:buNone/>
-                      </a:pPr>
-                      <a:r>
-                        <a:rPr lang="en-US" sz="1800" u="none" cap="none" strike="noStrike"/>
-                        <a:t>cmd command</a:t>
-                      </a:r>
-                      <a:endParaRPr/>
-                    </a:p>
-                  </a:txBody>
-                  <a:tcPr marT="45725" marB="45725" marR="91450" marL="91450" anchor="ctr"/>
-                </a:tc>
-                <a:tc>
-                  <a:txBody>
-                    <a:bodyPr/>
-                    <a:lstStyle/>
-                    <a:p>
-                      <a:pPr indent="0" lvl="0" marL="0" marR="0" rtl="0" algn="ctr">
-                        <a:spcBef>
-                          <a:spcPts val="0"/>
-                        </a:spcBef>
-                        <a:spcAft>
-                          <a:spcPts val="0"/>
-                        </a:spcAft>
-                        <a:buNone/>
-                      </a:pPr>
-                      <a:r>
-                        <a:rPr lang="en-US" sz="1800" u="none" cap="none" strike="noStrike"/>
-                        <a:t>Description</a:t>
-                      </a:r>
-                      <a:endParaRPr/>
-                    </a:p>
-                  </a:txBody>
-                  <a:tcPr marT="45725" marB="45725" marR="91450" marL="91450" anchor="ctr"/>
-                </a:tc>
-              </a:tr>
-              <a:tr h="382100">
-                <a:tc>
-                  <a:txBody>
-                    <a:bodyPr/>
-                    <a:lstStyle/>
-                    <a:p>
-                      <a:pPr indent="0" lvl="0" marL="0" marR="0" rtl="0" algn="ctr">
-                        <a:spcBef>
-                          <a:spcPts val="0"/>
-                        </a:spcBef>
-                        <a:spcAft>
-                          <a:spcPts val="0"/>
-                        </a:spcAft>
-                        <a:buNone/>
-                      </a:pPr>
-                      <a:r>
-                        <a:rPr lang="en-US" sz="1800" u="none" cap="none" strike="noStrike"/>
-                        <a:t>Basics:</a:t>
-                      </a:r>
-                      <a:endParaRPr/>
-                    </a:p>
-                  </a:txBody>
-                  <a:tcPr marT="45725" marB="45725" marR="91450" marL="91450" anchor="ctr"/>
-                </a:tc>
-                <a:tc>
-                  <a:txBody>
-                    <a:bodyPr/>
-                    <a:lstStyle/>
-                    <a:p>
-                      <a:pPr indent="0" lvl="0" marL="0" marR="0" rtl="0" algn="l">
-                        <a:spcBef>
-                          <a:spcPts val="0"/>
-                        </a:spcBef>
-                        <a:spcAft>
-                          <a:spcPts val="0"/>
-                        </a:spcAft>
-                        <a:buNone/>
-                      </a:pPr>
-                      <a:r>
-                        <a:t/>
-                      </a:r>
-                      <a:endParaRPr sz="1800"/>
-                    </a:p>
-                  </a:txBody>
-                  <a:tcPr marT="45725" marB="45725" marR="91450" marL="91450"/>
-                </a:tc>
-              </a:tr>
-              <a:tr h="382100">
-                <a:tc>
-                  <a:txBody>
-                    <a:bodyPr/>
-                    <a:lstStyle/>
-                    <a:p>
-                      <a:pPr indent="0" lvl="0" marL="0" marR="0" rtl="0" algn="l">
-                        <a:spcBef>
-                          <a:spcPts val="0"/>
-                        </a:spcBef>
-                        <a:spcAft>
-                          <a:spcPts val="0"/>
-                        </a:spcAft>
-                        <a:buNone/>
-                      </a:pPr>
-                      <a:r>
-                        <a:rPr lang="en-US" sz="1800"/>
-                        <a:t>cls</a:t>
-                      </a:r>
-                      <a:endParaRPr sz="1800"/>
-                    </a:p>
-                  </a:txBody>
-                  <a:tcPr marT="45725" marB="45725" marR="91450" marL="91450" anchor="ctr"/>
-                </a:tc>
-                <a:tc>
-                  <a:txBody>
-                    <a:bodyPr/>
-                    <a:lstStyle/>
-                    <a:p>
-                      <a:pPr indent="0" lvl="0" marL="0" marR="0" rtl="0" algn="l">
-                        <a:spcBef>
-                          <a:spcPts val="0"/>
-                        </a:spcBef>
-                        <a:spcAft>
-                          <a:spcPts val="0"/>
-                        </a:spcAft>
-                        <a:buNone/>
-                      </a:pPr>
-                      <a:r>
-                        <a:rPr lang="en-US" sz="1800"/>
-                        <a:t>clear console screen</a:t>
-                      </a:r>
-                      <a:endParaRPr/>
-                    </a:p>
-                  </a:txBody>
-                  <a:tcPr marT="45725" marB="45725" marR="91450" marL="91450" anchor="ctr"/>
-                </a:tc>
-              </a:tr>
-              <a:tr h="382100">
-                <a:tc>
-                  <a:txBody>
-                    <a:bodyPr/>
-                    <a:lstStyle/>
-                    <a:p>
-                      <a:pPr indent="0" lvl="0" marL="0" marR="0" rtl="0" algn="l">
-                        <a:spcBef>
-                          <a:spcPts val="0"/>
-                        </a:spcBef>
-                        <a:spcAft>
-                          <a:spcPts val="0"/>
-                        </a:spcAft>
-                        <a:buNone/>
-                      </a:pPr>
-                      <a:r>
-                        <a:rPr lang="en-US" sz="1800"/>
-                        <a:t>cmd</a:t>
-                      </a:r>
-                      <a:endParaRPr/>
-                    </a:p>
-                  </a:txBody>
-                  <a:tcPr marT="45725" marB="45725" marR="91450" marL="91450" anchor="ctr"/>
-                </a:tc>
-                <a:tc>
-                  <a:txBody>
-                    <a:bodyPr/>
-                    <a:lstStyle/>
-                    <a:p>
-                      <a:pPr indent="0" lvl="0" marL="0" marR="0" rtl="0" algn="l">
-                        <a:spcBef>
-                          <a:spcPts val="0"/>
-                        </a:spcBef>
-                        <a:spcAft>
-                          <a:spcPts val="0"/>
-                        </a:spcAft>
-                        <a:buNone/>
-                      </a:pPr>
-                      <a:r>
-                        <a:rPr lang="en-US" sz="1800"/>
-                        <a:t>start command prompt</a:t>
-                      </a:r>
-                      <a:endParaRPr/>
-                    </a:p>
-                  </a:txBody>
-                  <a:tcPr marT="45725" marB="45725" marR="91450" marL="91450" anchor="ctr"/>
-                </a:tc>
-              </a:tr>
-              <a:tr h="382100">
-                <a:tc>
-                  <a:txBody>
-                    <a:bodyPr/>
-                    <a:lstStyle/>
-                    <a:p>
-                      <a:pPr indent="0" lvl="0" marL="0" marR="0" rtl="0" algn="l">
-                        <a:spcBef>
-                          <a:spcPts val="0"/>
-                        </a:spcBef>
-                        <a:spcAft>
-                          <a:spcPts val="0"/>
-                        </a:spcAft>
-                        <a:buNone/>
-                      </a:pPr>
-                      <a:r>
-                        <a:rPr lang="en-US" sz="1800"/>
-                        <a:t>date</a:t>
-                      </a:r>
-                      <a:endParaRPr/>
-                    </a:p>
-                  </a:txBody>
-                  <a:tcPr marT="45725" marB="45725" marR="91450" marL="91450" anchor="ctr"/>
-                </a:tc>
-                <a:tc>
-                  <a:txBody>
-                    <a:bodyPr/>
-                    <a:lstStyle/>
-                    <a:p>
-                      <a:pPr indent="0" lvl="0" marL="0" marR="0" rtl="0" algn="l">
-                        <a:spcBef>
-                          <a:spcPts val="0"/>
-                        </a:spcBef>
-                        <a:spcAft>
-                          <a:spcPts val="0"/>
-                        </a:spcAft>
-                        <a:buNone/>
-                      </a:pPr>
-                      <a:r>
-                        <a:rPr lang="en-US" sz="1800"/>
-                        <a:t>show/set date</a:t>
-                      </a:r>
-                      <a:endParaRPr/>
-                    </a:p>
-                  </a:txBody>
-                  <a:tcPr marT="45725" marB="45725" marR="91450" marL="91450" anchor="ctr"/>
-                </a:tc>
-              </a:tr>
-              <a:tr h="382100">
-                <a:tc>
-                  <a:txBody>
-                    <a:bodyPr/>
-                    <a:lstStyle/>
-                    <a:p>
-                      <a:pPr indent="0" lvl="0" marL="0" marR="0" rtl="0" algn="l">
-                        <a:spcBef>
-                          <a:spcPts val="0"/>
-                        </a:spcBef>
-                        <a:spcAft>
-                          <a:spcPts val="0"/>
-                        </a:spcAft>
-                        <a:buNone/>
-                      </a:pPr>
-                      <a:r>
-                        <a:rPr lang="en-US" sz="1800"/>
-                        <a:t>dir</a:t>
-                      </a:r>
-                      <a:endParaRPr sz="1800"/>
-                    </a:p>
-                  </a:txBody>
-                  <a:tcPr marT="45725" marB="45725" marR="91450" marL="91450" anchor="ctr"/>
-                </a:tc>
-                <a:tc>
-                  <a:txBody>
-                    <a:bodyPr/>
-                    <a:lstStyle/>
-                    <a:p>
-                      <a:pPr indent="0" lvl="0" marL="0" marR="0" rtl="0" algn="l">
-                        <a:spcBef>
-                          <a:spcPts val="0"/>
-                        </a:spcBef>
-                        <a:spcAft>
-                          <a:spcPts val="0"/>
-                        </a:spcAft>
-                        <a:buNone/>
-                      </a:pPr>
-                      <a:r>
-                        <a:rPr lang="en-US" sz="1800"/>
-                        <a:t>list directory content</a:t>
-                      </a:r>
-                      <a:endParaRPr/>
-                    </a:p>
-                  </a:txBody>
-                  <a:tcPr marT="45725" marB="45725" marR="91450" marL="91450" anchor="ctr"/>
-                </a:tc>
-              </a:tr>
-              <a:tr h="382100">
-                <a:tc>
-                  <a:txBody>
-                    <a:bodyPr/>
-                    <a:lstStyle/>
-                    <a:p>
-                      <a:pPr indent="0" lvl="0" marL="0" marR="0" rtl="0" algn="l">
-                        <a:spcBef>
-                          <a:spcPts val="0"/>
-                        </a:spcBef>
-                        <a:spcAft>
-                          <a:spcPts val="0"/>
-                        </a:spcAft>
-                        <a:buNone/>
-                      </a:pPr>
-                      <a:r>
-                        <a:rPr lang="en-US" sz="1800"/>
-                        <a:t>diskpart</a:t>
-                      </a:r>
-                      <a:endParaRPr sz="1800"/>
-                    </a:p>
-                  </a:txBody>
-                  <a:tcPr marT="45725" marB="45725" marR="91450" marL="91450" anchor="ctr"/>
-                </a:tc>
-                <a:tc>
-                  <a:txBody>
-                    <a:bodyPr/>
-                    <a:lstStyle/>
-                    <a:p>
-                      <a:pPr indent="0" lvl="0" marL="0" marR="0" rtl="0" algn="l">
-                        <a:spcBef>
-                          <a:spcPts val="0"/>
-                        </a:spcBef>
-                        <a:spcAft>
-                          <a:spcPts val="0"/>
-                        </a:spcAft>
-                        <a:buNone/>
-                      </a:pPr>
-                      <a:r>
-                        <a:rPr lang="en-US" sz="1800"/>
-                        <a:t>volume management</a:t>
-                      </a:r>
-                      <a:endParaRPr sz="1800"/>
-                    </a:p>
-                  </a:txBody>
-                  <a:tcPr marT="45725" marB="45725" marR="91450" marL="91450" anchor="ctr"/>
-                </a:tc>
-              </a:tr>
-              <a:tr h="509475">
-                <a:tc>
-                  <a:txBody>
-                    <a:bodyPr/>
-                    <a:lstStyle/>
-                    <a:p>
-                      <a:pPr indent="0" lvl="0" marL="0" marR="0" rtl="0" algn="l">
-                        <a:spcBef>
-                          <a:spcPts val="0"/>
-                        </a:spcBef>
-                        <a:spcAft>
-                          <a:spcPts val="0"/>
-                        </a:spcAft>
-                        <a:buNone/>
-                      </a:pPr>
-                      <a:r>
-                        <a:rPr lang="en-US" sz="1800"/>
-                        <a:t>exit</a:t>
-                      </a:r>
-                      <a:endParaRPr/>
-                    </a:p>
-                  </a:txBody>
-                  <a:tcPr marT="45725" marB="45725" marR="91450" marL="91450" anchor="ctr"/>
-                </a:tc>
-                <a:tc>
-                  <a:txBody>
-                    <a:bodyPr/>
-                    <a:lstStyle/>
-                    <a:p>
-                      <a:pPr indent="0" lvl="0" marL="0" marR="0" rtl="0" algn="l">
-                        <a:spcBef>
-                          <a:spcPts val="0"/>
-                        </a:spcBef>
-                        <a:spcAft>
-                          <a:spcPts val="0"/>
-                        </a:spcAft>
-                        <a:buNone/>
-                      </a:pPr>
-                      <a:r>
-                        <a:rPr lang="en-US" sz="1800"/>
-                        <a:t>exits the command prompt or a batch file</a:t>
-                      </a:r>
-                      <a:endParaRPr/>
-                    </a:p>
-                  </a:txBody>
-                  <a:tcPr marT="45725" marB="45725" marR="91450" marL="91450" anchor="ctr"/>
-                </a:tc>
-              </a:tr>
-              <a:tr h="428425">
-                <a:tc>
-                  <a:txBody>
-                    <a:bodyPr/>
-                    <a:lstStyle/>
-                    <a:p>
-                      <a:pPr indent="0" lvl="0" marL="0" marR="0" rtl="0" algn="l">
-                        <a:spcBef>
-                          <a:spcPts val="0"/>
-                        </a:spcBef>
-                        <a:spcAft>
-                          <a:spcPts val="0"/>
-                        </a:spcAft>
-                        <a:buNone/>
-                      </a:pPr>
-                      <a:r>
-                        <a:rPr lang="en-US" sz="1800"/>
-                        <a:t>help</a:t>
-                      </a:r>
-                      <a:endParaRPr sz="1800"/>
-                    </a:p>
-                  </a:txBody>
-                  <a:tcPr marT="45725" marB="45725" marR="91450" marL="91450" anchor="ctr"/>
-                </a:tc>
-                <a:tc>
-                  <a:txBody>
-                    <a:bodyPr/>
-                    <a:lstStyle/>
-                    <a:p>
-                      <a:pPr indent="0" lvl="0" marL="0" marR="0" rtl="0" algn="l">
-                        <a:spcBef>
-                          <a:spcPts val="0"/>
-                        </a:spcBef>
-                        <a:spcAft>
-                          <a:spcPts val="0"/>
-                        </a:spcAft>
-                        <a:buNone/>
-                      </a:pPr>
-                      <a:r>
-                        <a:rPr lang="en-US" sz="1800"/>
-                        <a:t>show command</a:t>
-                      </a:r>
-                      <a:r>
-                        <a:rPr lang="en-US" sz="1800"/>
-                        <a:t> list </a:t>
-                      </a:r>
-                      <a:endParaRPr sz="1800"/>
-                    </a:p>
-                  </a:txBody>
-                  <a:tcPr marT="45725" marB="45725" marR="91450" marL="91450" anchor="ctr"/>
-                </a:tc>
-              </a:tr>
-              <a:tr h="428425">
-                <a:tc>
-                  <a:txBody>
-                    <a:bodyPr/>
-                    <a:lstStyle/>
-                    <a:p>
-                      <a:pPr indent="0" lvl="0" marL="0" marR="0" rtl="0" algn="l">
-                        <a:spcBef>
-                          <a:spcPts val="0"/>
-                        </a:spcBef>
-                        <a:spcAft>
-                          <a:spcPts val="0"/>
-                        </a:spcAft>
-                        <a:buNone/>
-                      </a:pPr>
-                      <a:r>
-                        <a:t/>
-                      </a:r>
-                      <a:endParaRPr sz="1800"/>
-                    </a:p>
-                  </a:txBody>
-                  <a:tcPr marT="45725" marB="45725" marR="91450" marL="91450" anchor="ctr"/>
-                </a:tc>
-                <a:tc>
-                  <a:txBody>
-                    <a:bodyPr/>
-                    <a:lstStyle/>
-                    <a:p>
-                      <a:pPr indent="0" lvl="0" marL="0" marR="0" rtl="0" algn="l">
-                        <a:spcBef>
-                          <a:spcPts val="0"/>
-                        </a:spcBef>
-                        <a:spcAft>
-                          <a:spcPts val="0"/>
-                        </a:spcAft>
-                        <a:buNone/>
-                      </a:pPr>
-                      <a:r>
-                        <a:t/>
-                      </a:r>
-                      <a:endParaRPr sz="1800"/>
-                    </a:p>
-                  </a:txBody>
-                  <a:tcPr marT="45725" marB="45725" marR="91450" marL="91450" anchor="ctr"/>
-                </a:tc>
-              </a:tr>
-            </a:tbl>
-          </a:graphicData>
-        </a:graphic>
-      </p:graphicFrame>
-    </p:spTree>
-  </p:cSld>
-  <p:clrMapOvr>
-    <a:masterClrMapping/>
-  </p:clrMapOvr>
-</p:sld>
-</file>
-
-<file path=ppt/slides/slide4.xml><?xml version="1.0" encoding="utf-8"?>
-<p:sld xmlns:a="http://schemas.openxmlformats.org/drawingml/2006/main" xmlns:r="http://schemas.openxmlformats.org/officeDocument/2006/relationships" xmlns:mc="http://schemas.openxmlformats.org/markup-compatibility/2006" xmlns:mv="urn:schemas-microsoft-com:mac:vml" xmlns:p="http://schemas.openxmlformats.org/presentationml/2006/main" xmlns:c="http://schemas.openxmlformats.org/drawingml/2006/chart" xmlns:dgm="http://schemas.openxmlformats.org/drawingml/2006/diagram" xmlns:o="urn:schemas-microsoft-com:office:office" xmlns:v="urn:schemas-microsoft-com:vml" xmlns:pvml="urn:schemas-microsoft-com:office:powerpoint" xmlns:com="http://schemas.openxmlformats.org/drawingml/2006/compatibility" xmlns:p14="http://schemas.microsoft.com/office/powerpoint/2010/main" xmlns:p15="http://schemas.microsoft.com/office/powerpoint/2012/main" xmlns:ahyp="http://schemas.microsoft.com/office/drawing/2018/hyperlinkcolor">
-  <p:cSld>
-    <p:spTree>
-      <p:nvGrpSpPr>
-        <p:cNvPr id="164" name="Shape 164"/>
-        <p:cNvGrpSpPr/>
-        <p:nvPr/>
-      </p:nvGrpSpPr>
-      <p:grpSpPr>
-        <a:xfrm>
-          <a:off x="0" y="0"/>
-          <a:ext cx="0" cy="0"/>
-          <a:chOff x="0" y="0"/>
-          <a:chExt cx="0" cy="0"/>
-        </a:xfrm>
-      </p:grpSpPr>
-      <p:graphicFrame>
-        <p:nvGraphicFramePr>
-          <p:cNvPr id="165" name="Google Shape;165;p5"/>
-          <p:cNvGraphicFramePr/>
-          <p:nvPr/>
-        </p:nvGraphicFramePr>
-        <p:xfrm>
-          <a:off x="1185827" y="669781"/>
-          <a:ext cx="3000000" cy="3000000"/>
-        </p:xfrm>
-        <a:graphic>
-          <a:graphicData uri="http://schemas.openxmlformats.org/drawingml/2006/table">
-            <a:tbl>
-              <a:tblPr bandRow="1" firstRow="1">
-                <a:noFill/>
-                <a:tableStyleId>{60743620-E2E4-45A8-873D-917C40BA8182}</a:tableStyleId>
-              </a:tblPr>
-              <a:tblGrid>
-                <a:gridCol w="4114800"/>
-                <a:gridCol w="4572000"/>
-              </a:tblGrid>
-              <a:tr h="382100">
-                <a:tc>
-                  <a:txBody>
-                    <a:bodyPr/>
-                    <a:lstStyle/>
-                    <a:p>
-                      <a:pPr indent="0" lvl="0" marL="0" marR="0" rtl="0" algn="ctr">
-                        <a:spcBef>
-                          <a:spcPts val="0"/>
-                        </a:spcBef>
-                        <a:spcAft>
-                          <a:spcPts val="0"/>
-                        </a:spcAft>
-                        <a:buNone/>
-                      </a:pPr>
-                      <a:r>
-                        <a:rPr lang="en-US" sz="1800"/>
-                        <a:t>cmd command</a:t>
-                      </a:r>
-                      <a:endParaRPr/>
-                    </a:p>
-                  </a:txBody>
-                  <a:tcPr marT="45725" marB="45725" marR="91450" marL="91450" anchor="ctr"/>
-                </a:tc>
-                <a:tc>
-                  <a:txBody>
-                    <a:bodyPr/>
-                    <a:lstStyle/>
-                    <a:p>
-                      <a:pPr indent="0" lvl="0" marL="0" marR="0" rtl="0" algn="ctr">
-                        <a:spcBef>
-                          <a:spcPts val="0"/>
-                        </a:spcBef>
-                        <a:spcAft>
-                          <a:spcPts val="0"/>
-                        </a:spcAft>
-                        <a:buNone/>
-                      </a:pPr>
-                      <a:r>
-                        <a:rPr lang="en-US" sz="1800"/>
-                        <a:t>Description</a:t>
-                      </a:r>
-                      <a:endParaRPr/>
-                    </a:p>
-                  </a:txBody>
-                  <a:tcPr marT="45725" marB="45725" marR="91450" marL="91450" anchor="ctr"/>
-                </a:tc>
-              </a:tr>
-              <a:tr h="382100">
-                <a:tc>
-                  <a:txBody>
-                    <a:bodyPr/>
-                    <a:lstStyle/>
-                    <a:p>
-                      <a:pPr indent="0" lvl="0" marL="0" marR="0" rtl="0" algn="ctr">
-                        <a:spcBef>
-                          <a:spcPts val="0"/>
-                        </a:spcBef>
-                        <a:spcAft>
-                          <a:spcPts val="0"/>
-                        </a:spcAft>
-                        <a:buNone/>
-                      </a:pPr>
-                      <a:r>
-                        <a:rPr lang="en-US" sz="1800"/>
-                        <a:t>Basics:</a:t>
-                      </a:r>
-                      <a:endParaRPr/>
-                    </a:p>
-                  </a:txBody>
-                  <a:tcPr marT="45725" marB="45725" marR="91450" marL="91450" anchor="ctr"/>
-                </a:tc>
-                <a:tc>
-                  <a:txBody>
-                    <a:bodyPr/>
-                    <a:lstStyle/>
-                    <a:p>
-                      <a:pPr indent="0" lvl="0" marL="0" marR="0" rtl="0" algn="l">
-                        <a:spcBef>
-                          <a:spcPts val="0"/>
-                        </a:spcBef>
-                        <a:spcAft>
-                          <a:spcPts val="0"/>
-                        </a:spcAft>
-                        <a:buNone/>
-                      </a:pPr>
-                      <a:r>
-                        <a:t/>
-                      </a:r>
-                      <a:endParaRPr sz="1800"/>
-                    </a:p>
-                  </a:txBody>
-                  <a:tcPr marT="45725" marB="45725" marR="91450" marL="91450"/>
-                </a:tc>
-              </a:tr>
-              <a:tr h="382100">
-                <a:tc>
-                  <a:txBody>
-                    <a:bodyPr/>
-                    <a:lstStyle/>
-                    <a:p>
-                      <a:pPr indent="0" lvl="0" marL="0" marR="0" rtl="0" algn="l">
-                        <a:spcBef>
-                          <a:spcPts val="0"/>
-                        </a:spcBef>
-                        <a:spcAft>
-                          <a:spcPts val="0"/>
-                        </a:spcAft>
-                        <a:buNone/>
-                      </a:pPr>
-                      <a:r>
-                        <a:rPr lang="en-US" sz="1800"/>
-                        <a:t>hostname</a:t>
-                      </a:r>
-                      <a:r>
-                        <a:rPr lang="en-US" sz="1800"/>
-                        <a:t> </a:t>
-                      </a:r>
-                      <a:endParaRPr sz="1800"/>
-                    </a:p>
-                  </a:txBody>
-                  <a:tcPr marT="45725" marB="45725" marR="91450" marL="91450" anchor="ctr"/>
-                </a:tc>
-                <a:tc>
-                  <a:txBody>
-                    <a:bodyPr/>
-                    <a:lstStyle/>
-                    <a:p>
-                      <a:pPr indent="0" lvl="0" marL="0" marR="0" rtl="0" algn="l">
-                        <a:spcBef>
-                          <a:spcPts val="0"/>
-                        </a:spcBef>
-                        <a:spcAft>
-                          <a:spcPts val="0"/>
-                        </a:spcAft>
-                        <a:buNone/>
-                      </a:pPr>
-                      <a:r>
-                        <a:rPr lang="en-US" sz="1800"/>
-                        <a:t>display</a:t>
-                      </a:r>
-                      <a:r>
-                        <a:rPr lang="en-US" sz="1800"/>
-                        <a:t> computer name</a:t>
-                      </a:r>
-                      <a:endParaRPr sz="1800"/>
-                    </a:p>
-                  </a:txBody>
-                  <a:tcPr marT="45725" marB="45725" marR="91450" marL="91450" anchor="ctr"/>
-                </a:tc>
-              </a:tr>
-              <a:tr h="382100">
-                <a:tc>
-                  <a:txBody>
-                    <a:bodyPr/>
-                    <a:lstStyle/>
-                    <a:p>
-                      <a:pPr indent="0" lvl="0" marL="0" marR="0" rtl="0" algn="l">
-                        <a:spcBef>
-                          <a:spcPts val="0"/>
-                        </a:spcBef>
-                        <a:spcAft>
-                          <a:spcPts val="0"/>
-                        </a:spcAft>
-                        <a:buNone/>
-                      </a:pPr>
-                      <a:r>
-                        <a:rPr lang="en-US" sz="1800"/>
-                        <a:t>ipconfig</a:t>
-                      </a:r>
-                      <a:endParaRPr sz="1800"/>
-                    </a:p>
-                  </a:txBody>
-                  <a:tcPr marT="45725" marB="45725" marR="91450" marL="91450" anchor="ctr"/>
-                </a:tc>
-                <a:tc>
-                  <a:txBody>
-                    <a:bodyPr/>
-                    <a:lstStyle/>
-                    <a:p>
-                      <a:pPr indent="0" lvl="0" marL="0" marR="0" rtl="0" algn="l">
-                        <a:spcBef>
-                          <a:spcPts val="0"/>
-                        </a:spcBef>
-                        <a:spcAft>
-                          <a:spcPts val="0"/>
-                        </a:spcAft>
-                        <a:buNone/>
-                      </a:pPr>
-                      <a:r>
-                        <a:rPr lang="en-US" sz="1800"/>
-                        <a:t>display ip network settings</a:t>
-                      </a:r>
-                      <a:endParaRPr sz="1800"/>
-                    </a:p>
-                  </a:txBody>
-                  <a:tcPr marT="45725" marB="45725" marR="91450" marL="91450" anchor="ctr"/>
-                </a:tc>
-              </a:tr>
-              <a:tr h="382100">
-                <a:tc>
-                  <a:txBody>
-                    <a:bodyPr/>
-                    <a:lstStyle/>
-                    <a:p>
-                      <a:pPr indent="0" lvl="0" marL="0" marR="0" rtl="0" algn="l">
-                        <a:spcBef>
-                          <a:spcPts val="0"/>
-                        </a:spcBef>
-                        <a:spcAft>
-                          <a:spcPts val="0"/>
-                        </a:spcAft>
-                        <a:buNone/>
-                      </a:pPr>
-                      <a:r>
-                        <a:rPr lang="en-US" sz="1800"/>
-                        <a:t>cmd</a:t>
-                      </a:r>
-                      <a:endParaRPr/>
-                    </a:p>
-                  </a:txBody>
-                  <a:tcPr marT="45725" marB="45725" marR="91450" marL="91450" anchor="ctr"/>
-                </a:tc>
-                <a:tc>
-                  <a:txBody>
-                    <a:bodyPr/>
-                    <a:lstStyle/>
-                    <a:p>
-                      <a:pPr indent="0" lvl="0" marL="0" marR="0" rtl="0" algn="l">
-                        <a:spcBef>
-                          <a:spcPts val="0"/>
-                        </a:spcBef>
-                        <a:spcAft>
-                          <a:spcPts val="0"/>
-                        </a:spcAft>
-                        <a:buNone/>
-                      </a:pPr>
-                      <a:r>
-                        <a:rPr lang="en-US" sz="1800"/>
-                        <a:t>start command prompt</a:t>
-                      </a:r>
-                      <a:endParaRPr/>
-                    </a:p>
-                  </a:txBody>
-                  <a:tcPr marT="45725" marB="45725" marR="91450" marL="91450" anchor="ctr"/>
-                </a:tc>
-              </a:tr>
-              <a:tr h="382100">
-                <a:tc>
-                  <a:txBody>
-                    <a:bodyPr/>
-                    <a:lstStyle/>
-                    <a:p>
-                      <a:pPr indent="0" lvl="0" marL="0" marR="0" rtl="0" algn="l">
-                        <a:spcBef>
-                          <a:spcPts val="0"/>
-                        </a:spcBef>
-                        <a:spcAft>
-                          <a:spcPts val="0"/>
-                        </a:spcAft>
-                        <a:buNone/>
-                      </a:pPr>
-                      <a:r>
-                        <a:rPr lang="en-US" sz="1800"/>
-                        <a:t>logoff</a:t>
-                      </a:r>
-                      <a:endParaRPr sz="1800"/>
-                    </a:p>
-                  </a:txBody>
-                  <a:tcPr marT="45725" marB="45725" marR="91450" marL="91450" anchor="ctr"/>
-                </a:tc>
-                <a:tc>
-                  <a:txBody>
-                    <a:bodyPr/>
-                    <a:lstStyle/>
-                    <a:p>
-                      <a:pPr indent="0" lvl="0" marL="0" marR="0" rtl="0" algn="l">
-                        <a:spcBef>
-                          <a:spcPts val="0"/>
-                        </a:spcBef>
-                        <a:spcAft>
-                          <a:spcPts val="0"/>
-                        </a:spcAft>
-                        <a:buNone/>
-                      </a:pPr>
-                      <a:r>
-                        <a:rPr lang="en-US" sz="1800"/>
-                        <a:t>logoff</a:t>
-                      </a:r>
-                      <a:r>
-                        <a:rPr lang="en-US" sz="1800"/>
-                        <a:t> Computer</a:t>
-                      </a:r>
-                      <a:endParaRPr sz="1800"/>
-                    </a:p>
-                  </a:txBody>
-                  <a:tcPr marT="45725" marB="45725" marR="91450" marL="91450" anchor="ctr"/>
-                </a:tc>
-              </a:tr>
-              <a:tr h="382100">
-                <a:tc>
-                  <a:txBody>
-                    <a:bodyPr/>
-                    <a:lstStyle/>
-                    <a:p>
-                      <a:pPr indent="0" lvl="0" marL="0" marR="0" rtl="0" algn="l">
-                        <a:spcBef>
-                          <a:spcPts val="0"/>
-                        </a:spcBef>
-                        <a:spcAft>
-                          <a:spcPts val="0"/>
-                        </a:spcAft>
-                        <a:buNone/>
-                      </a:pPr>
-                      <a:r>
-                        <a:rPr lang="en-US" sz="1800"/>
-                        <a:t>mkdir</a:t>
-                      </a:r>
-                      <a:endParaRPr sz="1800"/>
-                    </a:p>
-                  </a:txBody>
-                  <a:tcPr marT="45725" marB="45725" marR="91450" marL="91450" anchor="ctr"/>
-                </a:tc>
-                <a:tc>
-                  <a:txBody>
-                    <a:bodyPr/>
-                    <a:lstStyle/>
-                    <a:p>
-                      <a:pPr indent="0" lvl="0" marL="0" marR="0" rtl="0" algn="l">
-                        <a:spcBef>
-                          <a:spcPts val="0"/>
-                        </a:spcBef>
-                        <a:spcAft>
-                          <a:spcPts val="0"/>
-                        </a:spcAft>
-                        <a:buNone/>
-                      </a:pPr>
-                      <a:r>
-                        <a:rPr lang="en-US" sz="1800"/>
-                        <a:t>make new directory</a:t>
-                      </a:r>
-                      <a:endParaRPr sz="1800"/>
-                    </a:p>
-                  </a:txBody>
-                  <a:tcPr marT="45725" marB="45725" marR="91450" marL="91450" anchor="ctr"/>
-                </a:tc>
-              </a:tr>
-              <a:tr h="382100">
-                <a:tc>
-                  <a:txBody>
-                    <a:bodyPr/>
-                    <a:lstStyle/>
-                    <a:p>
-                      <a:pPr indent="0" lvl="0" marL="0" marR="0" rtl="0" algn="l">
-                        <a:spcBef>
-                          <a:spcPts val="0"/>
-                        </a:spcBef>
-                        <a:spcAft>
-                          <a:spcPts val="0"/>
-                        </a:spcAft>
-                        <a:buNone/>
-                      </a:pPr>
-                      <a:r>
-                        <a:rPr lang="en-US" sz="1800"/>
-                        <a:t>os</a:t>
-                      </a:r>
-                      <a:endParaRPr sz="1800"/>
-                    </a:p>
-                  </a:txBody>
-                  <a:tcPr marT="45725" marB="45725" marR="91450" marL="91450" anchor="ctr"/>
-                </a:tc>
-                <a:tc>
-                  <a:txBody>
-                    <a:bodyPr/>
-                    <a:lstStyle/>
-                    <a:p>
-                      <a:pPr indent="0" lvl="0" marL="0" marR="0" rtl="0" algn="l">
-                        <a:spcBef>
-                          <a:spcPts val="0"/>
-                        </a:spcBef>
-                        <a:spcAft>
-                          <a:spcPts val="0"/>
-                        </a:spcAft>
-                        <a:buNone/>
-                      </a:pPr>
-                      <a:r>
-                        <a:rPr lang="en-US" sz="1800"/>
-                        <a:t>check os with bit</a:t>
-                      </a:r>
-                      <a:endParaRPr sz="1800"/>
-                    </a:p>
-                  </a:txBody>
-                  <a:tcPr marT="45725" marB="45725" marR="91450" marL="91450" anchor="ctr"/>
-                </a:tc>
-              </a:tr>
-              <a:tr h="382100">
-                <a:tc>
-                  <a:txBody>
-                    <a:bodyPr/>
-                    <a:lstStyle/>
-                    <a:p>
-                      <a:pPr indent="0" lvl="0" marL="0" marR="0" rtl="0" algn="l">
-                        <a:spcBef>
-                          <a:spcPts val="0"/>
-                        </a:spcBef>
-                        <a:spcAft>
-                          <a:spcPts val="0"/>
-                        </a:spcAft>
-                        <a:buNone/>
-                      </a:pPr>
-                      <a:r>
-                        <a:rPr lang="en-US" sz="1800"/>
-                        <a:t>powershell</a:t>
-                      </a:r>
-                      <a:endParaRPr sz="1800"/>
-                    </a:p>
-                  </a:txBody>
-                  <a:tcPr marT="45725" marB="45725" marR="91450" marL="91450" anchor="ctr"/>
-                </a:tc>
-                <a:tc>
-                  <a:txBody>
-                    <a:bodyPr/>
-                    <a:lstStyle/>
-                    <a:p>
-                      <a:pPr indent="0" lvl="0" marL="0" marR="0" rtl="0" algn="l">
-                        <a:spcBef>
-                          <a:spcPts val="0"/>
-                        </a:spcBef>
-                        <a:spcAft>
-                          <a:spcPts val="0"/>
-                        </a:spcAft>
-                        <a:buNone/>
-                      </a:pPr>
-                      <a:r>
-                        <a:rPr lang="en-US" sz="1800"/>
-                        <a:t>start windows powershell</a:t>
-                      </a:r>
-                      <a:endParaRPr sz="1800"/>
-                    </a:p>
-                  </a:txBody>
-                  <a:tcPr marT="45725" marB="45725" marR="91450" marL="91450" anchor="ctr"/>
-                </a:tc>
-              </a:tr>
-              <a:tr h="509475">
-                <a:tc>
-                  <a:txBody>
-                    <a:bodyPr/>
-                    <a:lstStyle/>
-                    <a:p>
-                      <a:pPr indent="0" lvl="0" marL="0" marR="0" rtl="0" algn="l">
-                        <a:spcBef>
-                          <a:spcPts val="0"/>
-                        </a:spcBef>
-                        <a:spcAft>
-                          <a:spcPts val="0"/>
-                        </a:spcAft>
-                        <a:buNone/>
-                      </a:pPr>
-                      <a:r>
-                        <a:rPr lang="en-US" sz="1800"/>
-                        <a:t>restart</a:t>
-                      </a:r>
-                      <a:endParaRPr sz="1800"/>
-                    </a:p>
-                  </a:txBody>
-                  <a:tcPr marT="45725" marB="45725" marR="91450" marL="91450" anchor="ctr"/>
-                </a:tc>
-                <a:tc>
-                  <a:txBody>
-                    <a:bodyPr/>
-                    <a:lstStyle/>
-                    <a:p>
-                      <a:pPr indent="0" lvl="0" marL="0" marR="0" rtl="0" algn="l">
-                        <a:spcBef>
-                          <a:spcPts val="0"/>
-                        </a:spcBef>
-                        <a:spcAft>
-                          <a:spcPts val="0"/>
-                        </a:spcAft>
-                        <a:buNone/>
-                      </a:pPr>
-                      <a:r>
-                        <a:rPr lang="en-US" sz="1800"/>
-                        <a:t>restart</a:t>
-                      </a:r>
-                      <a:r>
-                        <a:rPr lang="en-US" sz="1800"/>
-                        <a:t> the computer</a:t>
-                      </a:r>
-                      <a:endParaRPr sz="1800"/>
-                    </a:p>
-                  </a:txBody>
-                  <a:tcPr marT="45725" marB="45725" marR="91450" marL="91450" anchor="ctr"/>
-                </a:tc>
-              </a:tr>
-              <a:tr h="428425">
-                <a:tc>
-                  <a:txBody>
-                    <a:bodyPr/>
-                    <a:lstStyle/>
-                    <a:p>
-                      <a:pPr indent="0" lvl="0" marL="0" marR="0" rtl="0" algn="l">
-                        <a:spcBef>
-                          <a:spcPts val="0"/>
-                        </a:spcBef>
-                        <a:spcAft>
-                          <a:spcPts val="0"/>
-                        </a:spcAft>
-                        <a:buNone/>
-                      </a:pPr>
-                      <a:r>
-                        <a:rPr lang="en-US" sz="1800"/>
-                        <a:t>shell</a:t>
-                      </a:r>
-                      <a:endParaRPr sz="1800"/>
-                    </a:p>
-                  </a:txBody>
-                  <a:tcPr marT="45725" marB="45725" marR="91450" marL="91450" anchor="ctr"/>
-                </a:tc>
-                <a:tc>
-                  <a:txBody>
-                    <a:bodyPr/>
-                    <a:lstStyle/>
-                    <a:p>
-                      <a:pPr indent="0" lvl="0" marL="0" marR="0" rtl="0" algn="l">
-                        <a:spcBef>
-                          <a:spcPts val="0"/>
-                        </a:spcBef>
-                        <a:spcAft>
-                          <a:spcPts val="0"/>
-                        </a:spcAft>
-                        <a:buNone/>
-                      </a:pPr>
-                      <a:r>
-                        <a:rPr lang="en-US" sz="1800"/>
-                        <a:t>display about shell</a:t>
-                      </a:r>
-                      <a:endParaRPr sz="1800"/>
-                    </a:p>
-                  </a:txBody>
-                  <a:tcPr marT="45725" marB="45725" marR="91450" marL="91450" anchor="ctr"/>
-                </a:tc>
-              </a:tr>
-              <a:tr h="428425">
-                <a:tc>
-                  <a:txBody>
-                    <a:bodyPr/>
-                    <a:lstStyle/>
-                    <a:p>
-                      <a:pPr indent="0" lvl="0" marL="0" marR="0" rtl="0" algn="l">
-                        <a:spcBef>
-                          <a:spcPts val="0"/>
-                        </a:spcBef>
-                        <a:spcAft>
-                          <a:spcPts val="0"/>
-                        </a:spcAft>
-                        <a:buNone/>
-                      </a:pPr>
-                      <a:r>
-                        <a:rPr lang="en-US" sz="1800"/>
-                        <a:t>tasklist</a:t>
-                      </a:r>
-                      <a:endParaRPr sz="1800"/>
-                    </a:p>
-                  </a:txBody>
-                  <a:tcPr marT="45725" marB="45725" marR="91450" marL="91450" anchor="ctr"/>
-                </a:tc>
-                <a:tc>
-                  <a:txBody>
-                    <a:bodyPr/>
-                    <a:lstStyle/>
-                    <a:p>
-                      <a:pPr indent="0" lvl="0" marL="0" marR="0" rtl="0" algn="l">
-                        <a:spcBef>
-                          <a:spcPts val="0"/>
-                        </a:spcBef>
-                        <a:spcAft>
-                          <a:spcPts val="0"/>
-                        </a:spcAft>
-                        <a:buNone/>
-                      </a:pPr>
-                      <a:r>
-                        <a:rPr lang="en-US" sz="1800"/>
-                        <a:t>display running</a:t>
-                      </a:r>
-                      <a:r>
-                        <a:rPr lang="en-US" sz="1800"/>
-                        <a:t> process</a:t>
-                      </a:r>
-                      <a:endParaRPr sz="1800"/>
-                    </a:p>
-                  </a:txBody>
-                  <a:tcPr marT="45725" marB="45725" marR="91450" marL="91450" anchor="ctr"/>
-                </a:tc>
-              </a:tr>
-              <a:tr h="428425">
-                <a:tc>
-                  <a:txBody>
-                    <a:bodyPr/>
-                    <a:lstStyle/>
-                    <a:p>
-                      <a:pPr indent="0" lvl="0" marL="0" marR="0" rtl="0" algn="l">
-                        <a:spcBef>
-                          <a:spcPts val="0"/>
-                        </a:spcBef>
-                        <a:spcAft>
-                          <a:spcPts val="0"/>
-                        </a:spcAft>
-                        <a:buNone/>
-                      </a:pPr>
-                      <a:r>
-                        <a:rPr lang="en-US" sz="1800"/>
-                        <a:t>vol</a:t>
-                      </a:r>
-                      <a:endParaRPr sz="1800"/>
-                    </a:p>
-                  </a:txBody>
-                  <a:tcPr marT="45725" marB="45725" marR="91450" marL="91450" anchor="ctr"/>
-                </a:tc>
-                <a:tc>
-                  <a:txBody>
-                    <a:bodyPr/>
-                    <a:lstStyle/>
-                    <a:p>
-                      <a:pPr indent="0" lvl="0" marL="0" marR="0" rtl="0" algn="l">
-                        <a:spcBef>
-                          <a:spcPts val="0"/>
-                        </a:spcBef>
-                        <a:spcAft>
-                          <a:spcPts val="0"/>
-                        </a:spcAft>
-                        <a:buNone/>
-                      </a:pPr>
-                      <a:r>
-                        <a:rPr lang="en-US" sz="1800"/>
-                        <a:t>show HDDs serial number(s)</a:t>
-                      </a:r>
-                      <a:endParaRPr sz="1800"/>
-                    </a:p>
-                  </a:txBody>
-                  <a:tcPr marT="45725" marB="45725" marR="91450" marL="91450" anchor="ctr"/>
-                </a:tc>
-              </a:tr>
-              <a:tr h="428425">
-                <a:tc>
-                  <a:txBody>
-                    <a:bodyPr/>
-                    <a:lstStyle/>
-                    <a:p>
-                      <a:pPr indent="0" lvl="0" marL="0" marR="0" rtl="0" algn="l">
-                        <a:spcBef>
-                          <a:spcPts val="0"/>
-                        </a:spcBef>
-                        <a:spcAft>
-                          <a:spcPts val="0"/>
-                        </a:spcAft>
-                        <a:buNone/>
-                      </a:pPr>
-                      <a:r>
-                        <a:rPr lang="en-US" sz="1800"/>
-                        <a:t>winver</a:t>
-                      </a:r>
-                      <a:r>
-                        <a:rPr lang="en-US" sz="1800"/>
-                        <a:t> </a:t>
-                      </a:r>
-                      <a:endParaRPr sz="1800"/>
-                    </a:p>
-                  </a:txBody>
-                  <a:tcPr marT="45725" marB="45725" marR="91450" marL="91450" anchor="ctr"/>
-                </a:tc>
-                <a:tc>
-                  <a:txBody>
-                    <a:bodyPr/>
-                    <a:lstStyle/>
-                    <a:p>
-                      <a:pPr indent="0" lvl="0" marL="0" marR="0" rtl="0" algn="l">
-                        <a:spcBef>
-                          <a:spcPts val="0"/>
-                        </a:spcBef>
-                        <a:spcAft>
-                          <a:spcPts val="0"/>
-                        </a:spcAft>
-                        <a:buNone/>
-                      </a:pPr>
-                      <a:r>
-                        <a:rPr lang="en-US" sz="1800"/>
-                        <a:t>show about windows version</a:t>
-                      </a:r>
-                      <a:endParaRPr sz="1800"/>
-                    </a:p>
-                  </a:txBody>
-                  <a:tcPr marT="45725" marB="45725" marR="91450" marL="91450" anchor="ctr"/>
-                </a:tc>
-              </a:tr>
-            </a:tbl>
-          </a:graphicData>
-        </a:graphic>
-      </p:graphicFrame>
-    </p:spTree>
-  </p:cSld>
-  <p:clrMapOvr>
-    <a:masterClrMapping/>
-  </p:clrMapOvr>
-</p:sld>
-</file>
-
-<file path=ppt/slides/slide5.xml><?xml version="1.0" encoding="utf-8"?>
-<p:sld xmlns:a="http://schemas.openxmlformats.org/drawingml/2006/main" xmlns:r="http://schemas.openxmlformats.org/officeDocument/2006/relationships" xmlns:mc="http://schemas.openxmlformats.org/markup-compatibility/2006" xmlns:mv="urn:schemas-microsoft-com:mac:vml" xmlns:p="http://schemas.openxmlformats.org/presentationml/2006/main" xmlns:c="http://schemas.openxmlformats.org/drawingml/2006/chart" xmlns:dgm="http://schemas.openxmlformats.org/drawingml/2006/diagram" xmlns:o="urn:schemas-microsoft-com:office:office" xmlns:v="urn:schemas-microsoft-com:vml" xmlns:pvml="urn:schemas-microsoft-com:office:powerpoint" xmlns:com="http://schemas.openxmlformats.org/drawingml/2006/compatibility" xmlns:p14="http://schemas.microsoft.com/office/powerpoint/2010/main" xmlns:p15="http://schemas.microsoft.com/office/powerpoint/2012/main" xmlns:ahyp="http://schemas.microsoft.com/office/drawing/2018/hyperlinkcolor">
-  <p:cSld>
-    <p:spTree>
-      <p:nvGrpSpPr>
-        <p:cNvPr id="169" name="Shape 169"/>
-        <p:cNvGrpSpPr/>
-        <p:nvPr/>
-      </p:nvGrpSpPr>
-      <p:grpSpPr>
-        <a:xfrm>
-          <a:off x="0" y="0"/>
-          <a:ext cx="0" cy="0"/>
-          <a:chOff x="0" y="0"/>
-          <a:chExt cx="0" cy="0"/>
-        </a:xfrm>
-      </p:grpSpPr>
-      <p:sp>
-        <p:nvSpPr>
-          <p:cNvPr id="170" name="Google Shape;170;p6"/>
-          <p:cNvSpPr txBox="1"/>
-          <p:nvPr>
-            <p:ph type="title"/>
-          </p:nvPr>
-        </p:nvSpPr>
-        <p:spPr>
-          <a:xfrm>
-            <a:off x="646111" y="452718"/>
-            <a:ext cx="9404723" cy="1400530"/>
-          </a:xfrm>
-          <a:prstGeom prst="rect">
-            <a:avLst/>
-          </a:prstGeom>
-          <a:noFill/>
-          <a:ln>
-            <a:noFill/>
-          </a:ln>
-        </p:spPr>
-        <p:txBody>
-          <a:bodyPr anchorCtr="0" anchor="t" bIns="45700" lIns="91425" spcFirstLastPara="1" rIns="91425" wrap="square" tIns="45700">
-            <a:noAutofit/>
-          </a:bodyPr>
-          <a:lstStyle/>
-          <a:p>
-            <a:pPr indent="0" lvl="0" marL="0" rtl="0" algn="l">
-              <a:spcBef>
-                <a:spcPts val="0"/>
-              </a:spcBef>
-              <a:spcAft>
-                <a:spcPts val="0"/>
-              </a:spcAft>
-              <a:buClr>
-                <a:schemeClr val="lt2"/>
-              </a:buClr>
-              <a:buSzPts val="4200"/>
-              <a:buFont typeface="Century Gothic"/>
-              <a:buNone/>
-            </a:pPr>
-            <a:r>
-              <a:rPr lang="en-US"/>
-              <a:t>C shell</a:t>
-            </a:r>
-            <a:endParaRPr/>
-          </a:p>
-        </p:txBody>
-      </p:sp>
-      <p:sp>
-        <p:nvSpPr>
-          <p:cNvPr id="171" name="Google Shape;171;p6"/>
-          <p:cNvSpPr txBox="1"/>
-          <p:nvPr>
-            <p:ph idx="1" type="body"/>
-          </p:nvPr>
-        </p:nvSpPr>
-        <p:spPr>
-          <a:xfrm>
-            <a:off x="1103312" y="2052918"/>
-            <a:ext cx="8946541" cy="4195481"/>
-          </a:xfrm>
-          <a:prstGeom prst="rect">
-            <a:avLst/>
-          </a:prstGeom>
-          <a:noFill/>
-          <a:ln>
-            <a:noFill/>
-          </a:ln>
-        </p:spPr>
-        <p:txBody>
-          <a:bodyPr anchorCtr="0" anchor="t" bIns="45700" lIns="91425" spcFirstLastPara="1" rIns="91425" wrap="square" tIns="45700">
-            <a:normAutofit/>
-          </a:bodyPr>
-          <a:lstStyle/>
-          <a:p>
-            <a:pPr indent="-342900" lvl="0" marL="342900" rtl="0" algn="l">
-              <a:spcBef>
-                <a:spcPts val="0"/>
-              </a:spcBef>
-              <a:spcAft>
-                <a:spcPts val="0"/>
-              </a:spcAft>
-              <a:buSzPts val="1600"/>
-              <a:buChar char="►"/>
-            </a:pPr>
-            <a:r>
-              <a:rPr lang="en-US"/>
-              <a:t>The C shell is a command processor typically run in a text window, allowing the user to type commands. The C shell can also read commands from a file, called a script. Like all Unix shells, it supports filename wildcarding, piping, here documents, commandsubstitution, variables and control  structures for condition-testing and iteration. What differentiated the C shell from others, especially in the 1980s, were its interactive features and overall style. Its new features made it easier and faster to use. The overall style of the language looked more like C and was seen as more readable.</a:t>
-            </a:r>
-            <a:endParaRPr/>
-          </a:p>
-        </p:txBody>
-      </p:sp>
-    </p:spTree>
-  </p:cSld>
-  <p:clrMapOvr>
-    <a:masterClrMapping/>
-  </p:clrMapOvr>
-</p:sld>
-</file>
-
-<file path=ppt/slides/slide6.xml><?xml version="1.0" encoding="utf-8"?>
-<p:sld xmlns:a="http://schemas.openxmlformats.org/drawingml/2006/main" xmlns:r="http://schemas.openxmlformats.org/officeDocument/2006/relationships" xmlns:mc="http://schemas.openxmlformats.org/markup-compatibility/2006" xmlns:mv="urn:schemas-microsoft-com:mac:vml" xmlns:p="http://schemas.openxmlformats.org/presentationml/2006/main" xmlns:c="http://schemas.openxmlformats.org/drawingml/2006/chart" xmlns:dgm="http://schemas.openxmlformats.org/drawingml/2006/diagram" xmlns:o="urn:schemas-microsoft-com:office:office" xmlns:v="urn:schemas-microsoft-com:vml" xmlns:pvml="urn:schemas-microsoft-com:office:powerpoint" xmlns:com="http://schemas.openxmlformats.org/drawingml/2006/compatibility" xmlns:p14="http://schemas.microsoft.com/office/powerpoint/2010/main" xmlns:p15="http://schemas.microsoft.com/office/powerpoint/2012/main" xmlns:ahyp="http://schemas.microsoft.com/office/drawing/2018/hyperlinkcolor">
-  <p:cSld>
-    <p:spTree>
-      <p:nvGrpSpPr>
-        <p:cNvPr id="175" name="Shape 175"/>
-        <p:cNvGrpSpPr/>
-        <p:nvPr/>
-      </p:nvGrpSpPr>
-      <p:grpSpPr>
-        <a:xfrm>
-          <a:off x="0" y="0"/>
-          <a:ext cx="0" cy="0"/>
-          <a:chOff x="0" y="0"/>
-          <a:chExt cx="0" cy="0"/>
-        </a:xfrm>
-      </p:grpSpPr>
-      <p:sp>
-        <p:nvSpPr>
-          <p:cNvPr id="176" name="Google Shape;176;p7"/>
-          <p:cNvSpPr txBox="1"/>
-          <p:nvPr>
-            <p:ph type="title"/>
-          </p:nvPr>
-        </p:nvSpPr>
-        <p:spPr>
-          <a:xfrm>
-            <a:off x="646111" y="452718"/>
-            <a:ext cx="9404723" cy="1400530"/>
-          </a:xfrm>
-          <a:prstGeom prst="rect">
-            <a:avLst/>
-          </a:prstGeom>
-          <a:noFill/>
-          <a:ln>
-            <a:noFill/>
-          </a:ln>
-        </p:spPr>
-        <p:txBody>
-          <a:bodyPr anchorCtr="0" anchor="t" bIns="45700" lIns="91425" spcFirstLastPara="1" rIns="91425" wrap="square" tIns="45700">
-            <a:noAutofit/>
-          </a:bodyPr>
-          <a:lstStyle/>
-          <a:p>
-            <a:pPr indent="0" lvl="0" marL="0" rtl="0" algn="l">
-              <a:spcBef>
-                <a:spcPts val="0"/>
-              </a:spcBef>
-              <a:spcAft>
-                <a:spcPts val="0"/>
-              </a:spcAft>
-              <a:buClr>
-                <a:schemeClr val="lt2"/>
-              </a:buClr>
-              <a:buSzPts val="4200"/>
-              <a:buFont typeface="Century Gothic"/>
-              <a:buNone/>
-            </a:pPr>
-            <a:r>
-              <a:rPr lang="en-US"/>
-              <a:t>cmd.exe</a:t>
-            </a:r>
-            <a:endParaRPr/>
-          </a:p>
-          <a:p>
-            <a:pPr indent="0" lvl="0" marL="0" rtl="0" algn="l">
-              <a:spcBef>
-                <a:spcPts val="0"/>
-              </a:spcBef>
-              <a:spcAft>
-                <a:spcPts val="0"/>
-              </a:spcAft>
-              <a:buClr>
-                <a:schemeClr val="lt2"/>
-              </a:buClr>
-              <a:buSzPts val="4200"/>
-              <a:buFont typeface="Century Gothic"/>
-              <a:buNone/>
-            </a:pPr>
-            <a:br>
-              <a:rPr lang="en-US"/>
-            </a:br>
-            <a:endParaRPr/>
-          </a:p>
-        </p:txBody>
-      </p:sp>
-      <p:sp>
-        <p:nvSpPr>
-          <p:cNvPr id="177" name="Google Shape;177;p7"/>
-          <p:cNvSpPr txBox="1"/>
-          <p:nvPr>
-            <p:ph idx="1" type="body"/>
-          </p:nvPr>
-        </p:nvSpPr>
-        <p:spPr>
-          <a:xfrm>
-            <a:off x="1103312" y="2052918"/>
-            <a:ext cx="8946541" cy="4195481"/>
-          </a:xfrm>
-          <a:prstGeom prst="rect">
-            <a:avLst/>
-          </a:prstGeom>
-          <a:noFill/>
-          <a:ln>
-            <a:noFill/>
-          </a:ln>
-        </p:spPr>
-        <p:txBody>
-          <a:bodyPr anchorCtr="0" anchor="t" bIns="45700" lIns="91425" spcFirstLastPara="1" rIns="91425" wrap="square" tIns="45700">
-            <a:normAutofit/>
-          </a:bodyPr>
-          <a:lstStyle/>
-          <a:p>
-            <a:pPr indent="-342900" lvl="0" marL="342900" rtl="0" algn="l">
-              <a:spcBef>
-                <a:spcPts val="0"/>
-              </a:spcBef>
-              <a:spcAft>
-                <a:spcPts val="0"/>
-              </a:spcAft>
-              <a:buSzPts val="1600"/>
-              <a:buChar char="►"/>
-            </a:pPr>
-            <a:r>
-              <a:rPr b="1" lang="en-US"/>
-              <a:t>cmd.exe</a:t>
-            </a:r>
-            <a:r>
-              <a:rPr lang="en-US"/>
-              <a:t> is the default command-line interpreter for OS/2 eComStation, ArcaOS, Microsoft Windows (Windows NT family and Windows CE family), and the ReactOS operating systems. The name refers to its executable filename. It is also commonly referred to as </a:t>
-            </a:r>
-            <a:r>
-              <a:rPr b="1" lang="en-US"/>
-              <a:t>cmd</a:t>
-            </a:r>
-            <a:r>
-              <a:rPr lang="en-US"/>
-              <a:t> or the </a:t>
-            </a:r>
-            <a:r>
-              <a:rPr b="1" lang="en-US"/>
-              <a:t>Command Prompt</a:t>
-            </a:r>
-            <a:r>
-              <a:rPr lang="en-US"/>
-              <a:t>, referring to the default window title on Windows. The implementations differ on the various systems but the behavior and basic set of commands is generally consistent. cmd.exe is the counterpart of COMMAND.COM in DOS and Windows 9x systems, and analogous to the Unix shells used on Unix-like systems. The initial version of cmd.exe for Windows NT was developed by Therese Stowell. Windows CE 2.11 was the first embedded Windows release to support a console and a Windows CE version of cmd.exe</a:t>
-            </a:r>
-            <a:endParaRPr/>
-          </a:p>
-        </p:txBody>
-      </p:sp>
-    </p:spTree>
-  </p:cSld>
-  <p:clrMapOvr>
-    <a:masterClrMapping/>
-  </p:clrMapOvr>
-</p:sld>
-</file>
-
-<file path=ppt/slides/slide7.xml><?xml version="1.0" encoding="utf-8"?>
-<p:sld xmlns:a="http://schemas.openxmlformats.org/drawingml/2006/main" xmlns:r="http://schemas.openxmlformats.org/officeDocument/2006/relationships" xmlns:mc="http://schemas.openxmlformats.org/markup-compatibility/2006" xmlns:mv="urn:schemas-microsoft-com:mac:vml" xmlns:p="http://schemas.openxmlformats.org/presentationml/2006/main" xmlns:c="http://schemas.openxmlformats.org/drawingml/2006/chart" xmlns:dgm="http://schemas.openxmlformats.org/drawingml/2006/diagram" xmlns:o="urn:schemas-microsoft-com:office:office" xmlns:v="urn:schemas-microsoft-com:vml" xmlns:pvml="urn:schemas-microsoft-com:office:powerpoint" xmlns:com="http://schemas.openxmlformats.org/drawingml/2006/compatibility" xmlns:p14="http://schemas.microsoft.com/office/powerpoint/2010/main" xmlns:p15="http://schemas.microsoft.com/office/powerpoint/2012/main" xmlns:ahyp="http://schemas.microsoft.com/office/drawing/2018/hyperlinkcolor">
-  <p:cSld>
-    <p:spTree>
-      <p:nvGrpSpPr>
-        <p:cNvPr id="181" name="Shape 181"/>
-        <p:cNvGrpSpPr/>
-        <p:nvPr/>
-      </p:nvGrpSpPr>
-      <p:grpSpPr>
-        <a:xfrm>
-          <a:off x="0" y="0"/>
-          <a:ext cx="0" cy="0"/>
-          <a:chOff x="0" y="0"/>
-          <a:chExt cx="0" cy="0"/>
-        </a:xfrm>
-      </p:grpSpPr>
-      <p:sp>
-        <p:nvSpPr>
-          <p:cNvPr id="182" name="Google Shape;182;p8"/>
-          <p:cNvSpPr txBox="1"/>
-          <p:nvPr>
-            <p:ph type="title"/>
-          </p:nvPr>
-        </p:nvSpPr>
-        <p:spPr>
-          <a:xfrm>
-            <a:off x="646111" y="452718"/>
-            <a:ext cx="9404723" cy="1400530"/>
-          </a:xfrm>
-          <a:prstGeom prst="rect">
-            <a:avLst/>
-          </a:prstGeom>
-          <a:noFill/>
-          <a:ln>
-            <a:noFill/>
-          </a:ln>
-        </p:spPr>
-        <p:txBody>
-          <a:bodyPr anchorCtr="0" anchor="t" bIns="45700" lIns="91425" spcFirstLastPara="1" rIns="91425" wrap="square" tIns="45700">
-            <a:noAutofit/>
-          </a:bodyPr>
-          <a:lstStyle/>
-          <a:p>
-            <a:pPr indent="0" lvl="0" marL="0" rtl="0" algn="l">
-              <a:spcBef>
-                <a:spcPts val="0"/>
-              </a:spcBef>
-              <a:spcAft>
-                <a:spcPts val="0"/>
-              </a:spcAft>
-              <a:buClr>
-                <a:schemeClr val="lt2"/>
-              </a:buClr>
-              <a:buSzPts val="4200"/>
-              <a:buFont typeface="Century Gothic"/>
-              <a:buNone/>
-            </a:pPr>
-            <a:r>
-              <a:rPr lang="en-US"/>
-              <a:t>Importance of windows shell</a:t>
-            </a:r>
-            <a:br>
-              <a:rPr lang="en-US"/>
-            </a:br>
-            <a:endParaRPr/>
-          </a:p>
-        </p:txBody>
-      </p:sp>
-      <p:sp>
-        <p:nvSpPr>
-          <p:cNvPr id="183" name="Google Shape;183;p8"/>
-          <p:cNvSpPr txBox="1"/>
-          <p:nvPr>
-            <p:ph idx="1" type="body"/>
-          </p:nvPr>
-        </p:nvSpPr>
-        <p:spPr>
-          <a:xfrm>
-            <a:off x="1103312" y="2052918"/>
-            <a:ext cx="8946541" cy="4195481"/>
-          </a:xfrm>
-          <a:prstGeom prst="rect">
-            <a:avLst/>
-          </a:prstGeom>
-          <a:noFill/>
-          <a:ln>
-            <a:noFill/>
-          </a:ln>
-        </p:spPr>
-        <p:txBody>
-          <a:bodyPr anchorCtr="0" anchor="t" bIns="45700" lIns="91425" spcFirstLastPara="1" rIns="91425" wrap="square" tIns="45700">
-            <a:normAutofit/>
-          </a:bodyPr>
-          <a:lstStyle/>
-          <a:p>
-            <a:pPr indent="-342900" lvl="0" marL="342900" rtl="0" algn="l">
-              <a:spcBef>
-                <a:spcPts val="0"/>
-              </a:spcBef>
-              <a:spcAft>
-                <a:spcPts val="0"/>
-              </a:spcAft>
-              <a:buSzPts val="1600"/>
-              <a:buChar char="►"/>
-            </a:pPr>
-            <a:r>
-              <a:rPr b="1" lang="en-US"/>
-              <a:t>Windows Shell</a:t>
-            </a:r>
-            <a:r>
-              <a:rPr lang="en-US"/>
-              <a:t> provides desktop environment, start menu, and task bar, as well as a graphical user interface for accessing the file management functions of the operating system. Older versions also include Program Manager, which was the </a:t>
-            </a:r>
-            <a:r>
-              <a:rPr b="1" lang="en-US"/>
-              <a:t>shell</a:t>
-            </a:r>
-            <a:r>
-              <a:rPr lang="en-US"/>
-              <a:t> for the 3.</a:t>
-            </a:r>
-            <a:endParaRPr/>
-          </a:p>
-          <a:p>
-            <a:pPr indent="-342900" lvl="0" marL="342900" rtl="0" algn="l">
-              <a:spcBef>
-                <a:spcPts val="1000"/>
-              </a:spcBef>
-              <a:spcAft>
-                <a:spcPts val="0"/>
-              </a:spcAft>
-              <a:buSzPts val="1600"/>
-              <a:buChar char="►"/>
-            </a:pPr>
-            <a:r>
-              <a:rPr lang="en-US"/>
-              <a:t>Is Windows Shell experience Host necessary?</a:t>
-            </a:r>
-            <a:endParaRPr/>
-          </a:p>
-          <a:p>
-            <a:pPr indent="-342900" lvl="0" marL="342900" rtl="0" algn="l">
-              <a:spcBef>
-                <a:spcPts val="1000"/>
-              </a:spcBef>
-              <a:spcAft>
-                <a:spcPts val="0"/>
-              </a:spcAft>
-              <a:buSzPts val="1600"/>
-              <a:buChar char="►"/>
-            </a:pPr>
-            <a:r>
-              <a:rPr lang="en-US"/>
-              <a:t>Actually, it is not recommended to disable </a:t>
-            </a:r>
-            <a:r>
-              <a:rPr b="1" lang="en-US"/>
-              <a:t>Windows Shell Experience Host</a:t>
-            </a:r>
-            <a:r>
-              <a:rPr lang="en-US"/>
-              <a:t>. Disabling </a:t>
-            </a:r>
-            <a:r>
-              <a:rPr b="1" lang="en-US"/>
-              <a:t>Windows Shell Experience Host</a:t>
-            </a:r>
-            <a:r>
-              <a:rPr lang="en-US"/>
-              <a:t> will prevent you from getting the </a:t>
-            </a:r>
-            <a:r>
-              <a:rPr b="1" lang="en-US"/>
-              <a:t>necessary</a:t>
-            </a:r>
-            <a:r>
-              <a:rPr lang="en-US"/>
-              <a:t> visuals in </a:t>
-            </a:r>
-            <a:r>
-              <a:rPr b="1" lang="en-US"/>
-              <a:t>Windows</a:t>
-            </a:r>
-            <a:r>
-              <a:rPr lang="en-US"/>
-              <a:t> 10. Besides, even if you end the process, </a:t>
-            </a:r>
-            <a:r>
-              <a:rPr b="1" lang="en-US"/>
-              <a:t>Windows</a:t>
-            </a:r>
-            <a:r>
-              <a:rPr lang="en-US"/>
-              <a:t> 10 will restart it automatically in a while.</a:t>
-            </a:r>
-            <a:endParaRPr/>
-          </a:p>
-          <a:p>
-            <a:pPr indent="-241300" lvl="0" marL="342900" rtl="0" algn="l">
-              <a:spcBef>
-                <a:spcPts val="1000"/>
-              </a:spcBef>
-              <a:spcAft>
-                <a:spcPts val="0"/>
-              </a:spcAft>
-              <a:buSzPts val="1600"/>
-              <a:buNone/>
-            </a:pPr>
-            <a:r>
-              <a:t/>
-            </a:r>
-            <a:endParaRPr/>
-          </a:p>
-        </p:txBody>
-      </p:sp>
-    </p:spTree>
-  </p:cSld>
-  <p:clrMapOvr>
-    <a:masterClrMapping/>
-  </p:clrMapOvr>
-</p:sld>
-</file>
-
-<file path=ppt/slides/slide8.xml><?xml version="1.0" encoding="utf-8"?>
-<p:sld xmlns:a="http://schemas.openxmlformats.org/drawingml/2006/main" xmlns:r="http://schemas.openxmlformats.org/officeDocument/2006/relationships" xmlns:mc="http://schemas.openxmlformats.org/markup-compatibility/2006" xmlns:mv="urn:schemas-microsoft-com:mac:vml" xmlns:p="http://schemas.openxmlformats.org/presentationml/2006/main" xmlns:c="http://schemas.openxmlformats.org/drawingml/2006/chart" xmlns:dgm="http://schemas.openxmlformats.org/drawingml/2006/diagram" xmlns:o="urn:schemas-microsoft-com:office:office" xmlns:v="urn:schemas-microsoft-com:vml" xmlns:pvml="urn:schemas-microsoft-com:office:powerpoint" xmlns:com="http://schemas.openxmlformats.org/drawingml/2006/compatibility" xmlns:p14="http://schemas.microsoft.com/office/powerpoint/2010/main" xmlns:p15="http://schemas.microsoft.com/office/powerpoint/2012/main" xmlns:ahyp="http://schemas.microsoft.com/office/drawing/2018/hyperlinkcolor">
-  <p:cSld>
-    <p:spTree>
-      <p:nvGrpSpPr>
-        <p:cNvPr id="187" name="Shape 187"/>
-        <p:cNvGrpSpPr/>
-        <p:nvPr/>
-      </p:nvGrpSpPr>
-      <p:grpSpPr>
-        <a:xfrm>
-          <a:off x="0" y="0"/>
-          <a:ext cx="0" cy="0"/>
-          <a:chOff x="0" y="0"/>
-          <a:chExt cx="0" cy="0"/>
-        </a:xfrm>
-      </p:grpSpPr>
-      <p:sp>
-        <p:nvSpPr>
-          <p:cNvPr id="188" name="Google Shape;188;p9"/>
-          <p:cNvSpPr txBox="1"/>
-          <p:nvPr>
-            <p:ph type="title"/>
-          </p:nvPr>
-        </p:nvSpPr>
-        <p:spPr>
-          <a:xfrm>
-            <a:off x="646111" y="452718"/>
-            <a:ext cx="9404723" cy="1400530"/>
-          </a:xfrm>
-          <a:prstGeom prst="rect">
-            <a:avLst/>
-          </a:prstGeom>
-          <a:noFill/>
-          <a:ln>
-            <a:noFill/>
-          </a:ln>
-        </p:spPr>
-        <p:txBody>
-          <a:bodyPr anchorCtr="0" anchor="t" bIns="45700" lIns="91425" spcFirstLastPara="1" rIns="91425" wrap="square" tIns="45700">
-            <a:noAutofit/>
-          </a:bodyPr>
-          <a:lstStyle/>
-          <a:p>
-            <a:pPr indent="0" lvl="0" marL="0" rtl="0" algn="l">
-              <a:spcBef>
-                <a:spcPts val="0"/>
-              </a:spcBef>
-              <a:spcAft>
-                <a:spcPts val="0"/>
-              </a:spcAft>
-              <a:buClr>
-                <a:schemeClr val="lt2"/>
-              </a:buClr>
-              <a:buSzPts val="4200"/>
-              <a:buFont typeface="Century Gothic"/>
-              <a:buNone/>
-            </a:pPr>
-            <a:r>
-              <a:rPr lang="en-US"/>
               <a:t>The Interface</a:t>
             </a:r>
             <a:endParaRPr/>
@@ -18992,7 +16097,7 @@
       </p:sp>
       <p:pic>
         <p:nvPicPr>
-          <p:cNvPr id="189" name="Google Shape;189;p9"/>
+          <p:cNvPr id="148" name="Google Shape;148;p9"/>
           <p:cNvPicPr preferRelativeResize="0"/>
           <p:nvPr>
             <p:ph idx="1" type="body"/>
@@ -19007,8 +16112,8 @@
         </p:blipFill>
         <p:spPr>
           <a:xfrm>
-            <a:off x="1565510" y="2052638"/>
-            <a:ext cx="8022755" cy="4195762"/>
+            <a:off x="1565498" y="1203350"/>
+            <a:ext cx="9646800" cy="5045100"/>
           </a:xfrm>
           <a:prstGeom prst="rect">
             <a:avLst/>
@@ -19028,6 +16133,285 @@
 </file>
 
 <file path=ppt/theme/theme1.xml><?xml version="1.0" encoding="utf-8"?>
+<a:theme xmlns:a="http://schemas.openxmlformats.org/drawingml/2006/main" xmlns:r="http://schemas.openxmlformats.org/officeDocument/2006/relationships" name="Ion">
+  <a:themeElements>
+    <a:clrScheme name="Ion">
+      <a:dk1>
+        <a:srgbClr val="000000"/>
+      </a:dk1>
+      <a:lt1>
+        <a:srgbClr val="FFFFFF"/>
+      </a:lt1>
+      <a:dk2>
+        <a:srgbClr val="1E5155"/>
+      </a:dk2>
+      <a:lt2>
+        <a:srgbClr val="EBEBEB"/>
+      </a:lt2>
+      <a:accent1>
+        <a:srgbClr val="B01513"/>
+      </a:accent1>
+      <a:accent2>
+        <a:srgbClr val="EA6312"/>
+      </a:accent2>
+      <a:accent3>
+        <a:srgbClr val="E6B729"/>
+      </a:accent3>
+      <a:accent4>
+        <a:srgbClr val="6AAC90"/>
+      </a:accent4>
+      <a:accent5>
+        <a:srgbClr val="54849A"/>
+      </a:accent5>
+      <a:accent6>
+        <a:srgbClr val="9E5E9B"/>
+      </a:accent6>
+      <a:hlink>
+        <a:srgbClr val="58C1BA"/>
+      </a:hlink>
+      <a:folHlink>
+        <a:srgbClr val="9DFFCB"/>
+      </a:folHlink>
+    </a:clrScheme>
+    <a:fontScheme name="Office">
+      <a:majorFont>
+        <a:latin typeface="Arial"/>
+        <a:ea typeface=""/>
+        <a:cs typeface=""/>
+        <a:font script="Jpan" typeface="ＭＳ Ｐゴシック"/>
+        <a:font script="Hang" typeface="맑은 고딕"/>
+        <a:font script="Hans" typeface="宋体"/>
+        <a:font script="Hant" typeface="新細明體"/>
+        <a:font script="Arab" typeface="Times New Roman"/>
+        <a:font script="Hebr" typeface="Times New Roman"/>
+        <a:font script="Thai" typeface="Angsana New"/>
+        <a:font script="Ethi" typeface="Nyala"/>
+        <a:font script="Beng" typeface="Vrinda"/>
+        <a:font script="Gujr" typeface="Shruti"/>
+        <a:font script="Khmr" typeface="MoolBoran"/>
+        <a:font script="Knda" typeface="Tunga"/>
+        <a:font script="Guru" typeface="Raavi"/>
+        <a:font script="Cans" typeface="Euphemia"/>
+        <a:font script="Cher" typeface="Plantagenet Cherokee"/>
+        <a:font script="Yiii" typeface="Microsoft Yi Baiti"/>
+        <a:font script="Tibt" typeface="Microsoft Himalaya"/>
+        <a:font script="Thaa" typeface="MV Boli"/>
+        <a:font script="Deva" typeface="Mangal"/>
+        <a:font script="Telu" typeface="Gautami"/>
+        <a:font script="Taml" typeface="Latha"/>
+        <a:font script="Syrc" typeface="Estrangelo Edessa"/>
+        <a:font script="Orya" typeface="Kalinga"/>
+        <a:font script="Mlym" typeface="Kartika"/>
+        <a:font script="Laoo" typeface="DokChampa"/>
+        <a:font script="Sinh" typeface="Iskoola Pota"/>
+        <a:font script="Mong" typeface="Mongolian Baiti"/>
+        <a:font script="Viet" typeface="Times New Roman"/>
+        <a:font script="Uigh" typeface="Microsoft Uighur"/>
+        <a:font script="Geor" typeface="Sylfaen"/>
+      </a:majorFont>
+      <a:minorFont>
+        <a:latin typeface="Arial"/>
+        <a:ea typeface=""/>
+        <a:cs typeface=""/>
+        <a:font script="Jpan" typeface="ＭＳ Ｐゴシック"/>
+        <a:font script="Hang" typeface="맑은 고딕"/>
+        <a:font script="Hans" typeface="宋体"/>
+        <a:font script="Hant" typeface="新細明體"/>
+        <a:font script="Arab" typeface="Arial"/>
+        <a:font script="Hebr" typeface="Arial"/>
+        <a:font script="Thai" typeface="Cordia New"/>
+        <a:font script="Ethi" typeface="Nyala"/>
+        <a:font script="Beng" typeface="Vrinda"/>
+        <a:font script="Gujr" typeface="Shruti"/>
+        <a:font script="Khmr" typeface="DaunPenh"/>
+        <a:font script="Knda" typeface="Tunga"/>
+        <a:font script="Guru" typeface="Raavi"/>
+        <a:font script="Cans" typeface="Euphemia"/>
+        <a:font script="Cher" typeface="Plantagenet Cherokee"/>
+        <a:font script="Yiii" typeface="Microsoft Yi Baiti"/>
+        <a:font script="Tibt" typeface="Microsoft Himalaya"/>
+        <a:font script="Thaa" typeface="MV Boli"/>
+        <a:font script="Deva" typeface="Mangal"/>
+        <a:font script="Telu" typeface="Gautami"/>
+        <a:font script="Taml" typeface="Latha"/>
+        <a:font script="Syrc" typeface="Estrangelo Edessa"/>
+        <a:font script="Orya" typeface="Kalinga"/>
+        <a:font script="Mlym" typeface="Kartika"/>
+        <a:font script="Laoo" typeface="DokChampa"/>
+        <a:font script="Sinh" typeface="Iskoola Pota"/>
+        <a:font script="Mong" typeface="Mongolian Baiti"/>
+        <a:font script="Viet" typeface="Arial"/>
+        <a:font script="Uigh" typeface="Microsoft Uighur"/>
+        <a:font script="Geor" typeface="Sylfaen"/>
+      </a:minorFont>
+    </a:fontScheme>
+    <a:fmtScheme name="Office">
+      <a:fillStyleLst>
+        <a:solidFill>
+          <a:schemeClr val="phClr"/>
+        </a:solidFill>
+        <a:gradFill rotWithShape="1">
+          <a:gsLst>
+            <a:gs pos="0">
+              <a:schemeClr val="phClr">
+                <a:tint val="50000"/>
+                <a:satMod val="300000"/>
+              </a:schemeClr>
+            </a:gs>
+            <a:gs pos="35000">
+              <a:schemeClr val="phClr">
+                <a:tint val="37000"/>
+                <a:satMod val="300000"/>
+              </a:schemeClr>
+            </a:gs>
+            <a:gs pos="100000">
+              <a:schemeClr val="phClr">
+                <a:tint val="15000"/>
+                <a:satMod val="350000"/>
+              </a:schemeClr>
+            </a:gs>
+          </a:gsLst>
+          <a:lin ang="16200000" scaled="1"/>
+        </a:gradFill>
+        <a:gradFill rotWithShape="1">
+          <a:gsLst>
+            <a:gs pos="0">
+              <a:schemeClr val="phClr">
+                <a:tint val="100000"/>
+                <a:shade val="100000"/>
+                <a:satMod val="130000"/>
+              </a:schemeClr>
+            </a:gs>
+            <a:gs pos="100000">
+              <a:schemeClr val="phClr">
+                <a:tint val="50000"/>
+                <a:shade val="100000"/>
+                <a:satMod val="350000"/>
+              </a:schemeClr>
+            </a:gs>
+          </a:gsLst>
+          <a:lin ang="16200000" scaled="0"/>
+        </a:gradFill>
+      </a:fillStyleLst>
+      <a:lnStyleLst>
+        <a:ln w="9525" cap="flat" cmpd="sng" algn="ctr">
+          <a:solidFill>
+            <a:schemeClr val="phClr">
+              <a:shade val="95000"/>
+              <a:satMod val="105000"/>
+            </a:schemeClr>
+          </a:solidFill>
+          <a:prstDash val="solid"/>
+        </a:ln>
+        <a:ln w="25400" cap="flat" cmpd="sng" algn="ctr">
+          <a:solidFill>
+            <a:schemeClr val="phClr"/>
+          </a:solidFill>
+          <a:prstDash val="solid"/>
+        </a:ln>
+        <a:ln w="38100" cap="flat" cmpd="sng" algn="ctr">
+          <a:solidFill>
+            <a:schemeClr val="phClr"/>
+          </a:solidFill>
+          <a:prstDash val="solid"/>
+        </a:ln>
+      </a:lnStyleLst>
+      <a:effectStyleLst>
+        <a:effectStyle>
+          <a:effectLst>
+            <a:outerShdw blurRad="40000" dist="20000" dir="5400000" rotWithShape="0">
+              <a:srgbClr val="000000">
+                <a:alpha val="38000"/>
+              </a:srgbClr>
+            </a:outerShdw>
+          </a:effectLst>
+        </a:effectStyle>
+        <a:effectStyle>
+          <a:effectLst>
+            <a:outerShdw blurRad="40000" dist="23000" dir="5400000" rotWithShape="0">
+              <a:srgbClr val="000000">
+                <a:alpha val="35000"/>
+              </a:srgbClr>
+            </a:outerShdw>
+          </a:effectLst>
+        </a:effectStyle>
+        <a:effectStyle>
+          <a:effectLst>
+            <a:outerShdw blurRad="40000" dist="23000" dir="5400000" rotWithShape="0">
+              <a:srgbClr val="000000">
+                <a:alpha val="35000"/>
+              </a:srgbClr>
+            </a:outerShdw>
+          </a:effectLst>
+          <a:scene3d>
+            <a:camera prst="orthographicFront">
+              <a:rot lat="0" lon="0" rev="0"/>
+            </a:camera>
+            <a:lightRig rig="threePt" dir="t">
+              <a:rot lat="0" lon="0" rev="1200000"/>
+            </a:lightRig>
+          </a:scene3d>
+          <a:sp3d>
+            <a:bevelT w="63500" h="25400"/>
+          </a:sp3d>
+        </a:effectStyle>
+      </a:effectStyleLst>
+      <a:bgFillStyleLst>
+        <a:solidFill>
+          <a:schemeClr val="phClr"/>
+        </a:solidFill>
+        <a:gradFill rotWithShape="1">
+          <a:gsLst>
+            <a:gs pos="0">
+              <a:schemeClr val="phClr">
+                <a:tint val="40000"/>
+                <a:satMod val="350000"/>
+              </a:schemeClr>
+            </a:gs>
+            <a:gs pos="40000">
+              <a:schemeClr val="phClr">
+                <a:tint val="45000"/>
+                <a:shade val="99000"/>
+                <a:satMod val="350000"/>
+              </a:schemeClr>
+            </a:gs>
+            <a:gs pos="100000">
+              <a:schemeClr val="phClr">
+                <a:shade val="20000"/>
+                <a:satMod val="255000"/>
+              </a:schemeClr>
+            </a:gs>
+          </a:gsLst>
+          <a:path path="circle">
+            <a:fillToRect l="50000" t="-80000" r="50000" b="180000"/>
+          </a:path>
+        </a:gradFill>
+        <a:gradFill rotWithShape="1">
+          <a:gsLst>
+            <a:gs pos="0">
+              <a:schemeClr val="phClr">
+                <a:tint val="80000"/>
+                <a:satMod val="300000"/>
+              </a:schemeClr>
+            </a:gs>
+            <a:gs pos="100000">
+              <a:schemeClr val="phClr">
+                <a:shade val="30000"/>
+                <a:satMod val="200000"/>
+              </a:schemeClr>
+            </a:gs>
+          </a:gsLst>
+          <a:path path="circle">
+            <a:fillToRect l="50000" t="50000" r="50000" b="50000"/>
+          </a:path>
+        </a:gradFill>
+      </a:bgFillStyleLst>
+    </a:fmtScheme>
+  </a:themeElements>
+</a:theme>
+</file>
+
+<file path=ppt/theme/theme2.xml><?xml version="1.0" encoding="utf-8"?>
 <a:theme xmlns:a="http://schemas.openxmlformats.org/drawingml/2006/main" xmlns:r="http://schemas.openxmlformats.org/officeDocument/2006/relationships">
   <a:themeElements>
     <a:clrScheme name="Default">
@@ -19304,283 +16688,4 @@
     </a:fmtScheme>
   </a:themeElements>
 </a:theme>
-</file>
-
-<file path=ppt/theme/theme2.xml><?xml version="1.0" encoding="utf-8"?>
-<a:theme xmlns:a="http://schemas.openxmlformats.org/drawingml/2006/main" xmlns:r="http://schemas.openxmlformats.org/officeDocument/2006/relationships" name="Ion">
-  <a:themeElements>
-    <a:clrScheme name="Ion">
-      <a:dk1>
-        <a:srgbClr val="000000"/>
-      </a:dk1>
-      <a:lt1>
-        <a:srgbClr val="FFFFFF"/>
-      </a:lt1>
-      <a:dk2>
-        <a:srgbClr val="1E5155"/>
-      </a:dk2>
-      <a:lt2>
-        <a:srgbClr val="EBEBEB"/>
-      </a:lt2>
-      <a:accent1>
-        <a:srgbClr val="B01513"/>
-      </a:accent1>
-      <a:accent2>
-        <a:srgbClr val="EA6312"/>
-      </a:accent2>
-      <a:accent3>
-        <a:srgbClr val="E6B729"/>
-      </a:accent3>
-      <a:accent4>
-        <a:srgbClr val="6AAC90"/>
-      </a:accent4>
-      <a:accent5>
-        <a:srgbClr val="54849A"/>
-      </a:accent5>
-      <a:accent6>
-        <a:srgbClr val="9E5E9B"/>
-      </a:accent6>
-      <a:hlink>
-        <a:srgbClr val="58C1BA"/>
-      </a:hlink>
-      <a:folHlink>
-        <a:srgbClr val="9DFFCB"/>
-      </a:folHlink>
-    </a:clrScheme>
-    <a:fontScheme name="Office">
-      <a:majorFont>
-        <a:latin typeface="Arial"/>
-        <a:ea typeface=""/>
-        <a:cs typeface=""/>
-        <a:font script="Jpan" typeface="ＭＳ Ｐゴシック"/>
-        <a:font script="Hang" typeface="맑은 고딕"/>
-        <a:font script="Hans" typeface="宋体"/>
-        <a:font script="Hant" typeface="新細明體"/>
-        <a:font script="Arab" typeface="Times New Roman"/>
-        <a:font script="Hebr" typeface="Times New Roman"/>
-        <a:font script="Thai" typeface="Angsana New"/>
-        <a:font script="Ethi" typeface="Nyala"/>
-        <a:font script="Beng" typeface="Vrinda"/>
-        <a:font script="Gujr" typeface="Shruti"/>
-        <a:font script="Khmr" typeface="MoolBoran"/>
-        <a:font script="Knda" typeface="Tunga"/>
-        <a:font script="Guru" typeface="Raavi"/>
-        <a:font script="Cans" typeface="Euphemia"/>
-        <a:font script="Cher" typeface="Plantagenet Cherokee"/>
-        <a:font script="Yiii" typeface="Microsoft Yi Baiti"/>
-        <a:font script="Tibt" typeface="Microsoft Himalaya"/>
-        <a:font script="Thaa" typeface="MV Boli"/>
-        <a:font script="Deva" typeface="Mangal"/>
-        <a:font script="Telu" typeface="Gautami"/>
-        <a:font script="Taml" typeface="Latha"/>
-        <a:font script="Syrc" typeface="Estrangelo Edessa"/>
-        <a:font script="Orya" typeface="Kalinga"/>
-        <a:font script="Mlym" typeface="Kartika"/>
-        <a:font script="Laoo" typeface="DokChampa"/>
-        <a:font script="Sinh" typeface="Iskoola Pota"/>
-        <a:font script="Mong" typeface="Mongolian Baiti"/>
-        <a:font script="Viet" typeface="Times New Roman"/>
-        <a:font script="Uigh" typeface="Microsoft Uighur"/>
-        <a:font script="Geor" typeface="Sylfaen"/>
-      </a:majorFont>
-      <a:minorFont>
-        <a:latin typeface="Arial"/>
-        <a:ea typeface=""/>
-        <a:cs typeface=""/>
-        <a:font script="Jpan" typeface="ＭＳ Ｐゴシック"/>
-        <a:font script="Hang" typeface="맑은 고딕"/>
-        <a:font script="Hans" typeface="宋体"/>
-        <a:font script="Hant" typeface="新細明體"/>
-        <a:font script="Arab" typeface="Arial"/>
-        <a:font script="Hebr" typeface="Arial"/>
-        <a:font script="Thai" typeface="Cordia New"/>
-        <a:font script="Ethi" typeface="Nyala"/>
-        <a:font script="Beng" typeface="Vrinda"/>
-        <a:font script="Gujr" typeface="Shruti"/>
-        <a:font script="Khmr" typeface="DaunPenh"/>
-        <a:font script="Knda" typeface="Tunga"/>
-        <a:font script="Guru" typeface="Raavi"/>
-        <a:font script="Cans" typeface="Euphemia"/>
-        <a:font script="Cher" typeface="Plantagenet Cherokee"/>
-        <a:font script="Yiii" typeface="Microsoft Yi Baiti"/>
-        <a:font script="Tibt" typeface="Microsoft Himalaya"/>
-        <a:font script="Thaa" typeface="MV Boli"/>
-        <a:font script="Deva" typeface="Mangal"/>
-        <a:font script="Telu" typeface="Gautami"/>
-        <a:font script="Taml" typeface="Latha"/>
-        <a:font script="Syrc" typeface="Estrangelo Edessa"/>
-        <a:font script="Orya" typeface="Kalinga"/>
-        <a:font script="Mlym" typeface="Kartika"/>
-        <a:font script="Laoo" typeface="DokChampa"/>
-        <a:font script="Sinh" typeface="Iskoola Pota"/>
-        <a:font script="Mong" typeface="Mongolian Baiti"/>
-        <a:font script="Viet" typeface="Arial"/>
-        <a:font script="Uigh" typeface="Microsoft Uighur"/>
-        <a:font script="Geor" typeface="Sylfaen"/>
-      </a:minorFont>
-    </a:fontScheme>
-    <a:fmtScheme name="Office">
-      <a:fillStyleLst>
-        <a:solidFill>
-          <a:schemeClr val="phClr"/>
-        </a:solidFill>
-        <a:gradFill rotWithShape="1">
-          <a:gsLst>
-            <a:gs pos="0">
-              <a:schemeClr val="phClr">
-                <a:tint val="50000"/>
-                <a:satMod val="300000"/>
-              </a:schemeClr>
-            </a:gs>
-            <a:gs pos="35000">
-              <a:schemeClr val="phClr">
-                <a:tint val="37000"/>
-                <a:satMod val="300000"/>
-              </a:schemeClr>
-            </a:gs>
-            <a:gs pos="100000">
-              <a:schemeClr val="phClr">
-                <a:tint val="15000"/>
-                <a:satMod val="350000"/>
-              </a:schemeClr>
-            </a:gs>
-          </a:gsLst>
-          <a:lin ang="16200000" scaled="1"/>
-        </a:gradFill>
-        <a:gradFill rotWithShape="1">
-          <a:gsLst>
-            <a:gs pos="0">
-              <a:schemeClr val="phClr">
-                <a:tint val="100000"/>
-                <a:shade val="100000"/>
-                <a:satMod val="130000"/>
-              </a:schemeClr>
-            </a:gs>
-            <a:gs pos="100000">
-              <a:schemeClr val="phClr">
-                <a:tint val="50000"/>
-                <a:shade val="100000"/>
-                <a:satMod val="350000"/>
-              </a:schemeClr>
-            </a:gs>
-          </a:gsLst>
-          <a:lin ang="16200000" scaled="0"/>
-        </a:gradFill>
-      </a:fillStyleLst>
-      <a:lnStyleLst>
-        <a:ln w="9525" cap="flat" cmpd="sng" algn="ctr">
-          <a:solidFill>
-            <a:schemeClr val="phClr">
-              <a:shade val="95000"/>
-              <a:satMod val="105000"/>
-            </a:schemeClr>
-          </a:solidFill>
-          <a:prstDash val="solid"/>
-        </a:ln>
-        <a:ln w="25400" cap="flat" cmpd="sng" algn="ctr">
-          <a:solidFill>
-            <a:schemeClr val="phClr"/>
-          </a:solidFill>
-          <a:prstDash val="solid"/>
-        </a:ln>
-        <a:ln w="38100" cap="flat" cmpd="sng" algn="ctr">
-          <a:solidFill>
-            <a:schemeClr val="phClr"/>
-          </a:solidFill>
-          <a:prstDash val="solid"/>
-        </a:ln>
-      </a:lnStyleLst>
-      <a:effectStyleLst>
-        <a:effectStyle>
-          <a:effectLst>
-            <a:outerShdw blurRad="40000" dist="20000" dir="5400000" rotWithShape="0">
-              <a:srgbClr val="000000">
-                <a:alpha val="38000"/>
-              </a:srgbClr>
-            </a:outerShdw>
-          </a:effectLst>
-        </a:effectStyle>
-        <a:effectStyle>
-          <a:effectLst>
-            <a:outerShdw blurRad="40000" dist="23000" dir="5400000" rotWithShape="0">
-              <a:srgbClr val="000000">
-                <a:alpha val="35000"/>
-              </a:srgbClr>
-            </a:outerShdw>
-          </a:effectLst>
-        </a:effectStyle>
-        <a:effectStyle>
-          <a:effectLst>
-            <a:outerShdw blurRad="40000" dist="23000" dir="5400000" rotWithShape="0">
-              <a:srgbClr val="000000">
-                <a:alpha val="35000"/>
-              </a:srgbClr>
-            </a:outerShdw>
-          </a:effectLst>
-          <a:scene3d>
-            <a:camera prst="orthographicFront">
-              <a:rot lat="0" lon="0" rev="0"/>
-            </a:camera>
-            <a:lightRig rig="threePt" dir="t">
-              <a:rot lat="0" lon="0" rev="1200000"/>
-            </a:lightRig>
-          </a:scene3d>
-          <a:sp3d>
-            <a:bevelT w="63500" h="25400"/>
-          </a:sp3d>
-        </a:effectStyle>
-      </a:effectStyleLst>
-      <a:bgFillStyleLst>
-        <a:solidFill>
-          <a:schemeClr val="phClr"/>
-        </a:solidFill>
-        <a:gradFill rotWithShape="1">
-          <a:gsLst>
-            <a:gs pos="0">
-              <a:schemeClr val="phClr">
-                <a:tint val="40000"/>
-                <a:satMod val="350000"/>
-              </a:schemeClr>
-            </a:gs>
-            <a:gs pos="40000">
-              <a:schemeClr val="phClr">
-                <a:tint val="45000"/>
-                <a:shade val="99000"/>
-                <a:satMod val="350000"/>
-              </a:schemeClr>
-            </a:gs>
-            <a:gs pos="100000">
-              <a:schemeClr val="phClr">
-                <a:shade val="20000"/>
-                <a:satMod val="255000"/>
-              </a:schemeClr>
-            </a:gs>
-          </a:gsLst>
-          <a:path path="circle">
-            <a:fillToRect l="50000" t="-80000" r="50000" b="180000"/>
-          </a:path>
-        </a:gradFill>
-        <a:gradFill rotWithShape="1">
-          <a:gsLst>
-            <a:gs pos="0">
-              <a:schemeClr val="phClr">
-                <a:tint val="80000"/>
-                <a:satMod val="300000"/>
-              </a:schemeClr>
-            </a:gs>
-            <a:gs pos="100000">
-              <a:schemeClr val="phClr">
-                <a:shade val="30000"/>
-                <a:satMod val="200000"/>
-              </a:schemeClr>
-            </a:gs>
-          </a:gsLst>
-          <a:path path="circle">
-            <a:fillToRect l="50000" t="50000" r="50000" b="50000"/>
-          </a:path>
-        </a:gradFill>
-      </a:bgFillStyleLst>
-    </a:fmtScheme>
-  </a:themeElements>
-</a:theme>
 </file>